--- a/Data-Hub.pptx
+++ b/Data-Hub.pptx
@@ -18,8 +18,12 @@
     <p:sldId id="263" r:id="rId12"/>
     <p:sldId id="265" r:id="rId13"/>
     <p:sldId id="267" r:id="rId14"/>
-    <p:sldId id="270" r:id="rId15"/>
-    <p:sldId id="268" r:id="rId16"/>
+    <p:sldId id="272" r:id="rId15"/>
+    <p:sldId id="273" r:id="rId16"/>
+    <p:sldId id="274" r:id="rId17"/>
+    <p:sldId id="271" r:id="rId18"/>
+    <p:sldId id="270" r:id="rId19"/>
+    <p:sldId id="268" r:id="rId20"/>
   </p:sldIdLst>
   <p:sldSz cx="12192000" cy="6858000"/>
   <p:notesSz cx="6858000" cy="9144000"/>
@@ -118,6 +122,11 @@
       </a:defRPr>
     </a:lvl9pPr>
   </p:defaultTextStyle>
+  <p:extLst>
+    <p:ext uri="{EFAFB233-063F-42B5-8137-9DF3F51BA10A}">
+      <p15:sldGuideLst xmlns:p15="http://schemas.microsoft.com/office/powerpoint/2012/main"/>
+    </p:ext>
+  </p:extLst>
 </p:presentation>
 </file>
 
@@ -268,7 +277,7 @@
           <a:p>
             <a:fld id="{9CB987B1-6524-44CA-BEB2-5C62FEE9C072}" type="datetimeFigureOut">
               <a:rPr lang="zh-CN" altLang="en-US" smtClean="0"/>
-              <a:t>2020/12/23</a:t>
+              <a:t>2020/12/24</a:t>
             </a:fld>
             <a:endParaRPr lang="zh-CN" altLang="en-US"/>
           </a:p>
@@ -466,7 +475,7 @@
           <a:p>
             <a:fld id="{9CB987B1-6524-44CA-BEB2-5C62FEE9C072}" type="datetimeFigureOut">
               <a:rPr lang="zh-CN" altLang="en-US" smtClean="0"/>
-              <a:t>2020/12/23</a:t>
+              <a:t>2020/12/24</a:t>
             </a:fld>
             <a:endParaRPr lang="zh-CN" altLang="en-US"/>
           </a:p>
@@ -674,7 +683,7 @@
           <a:p>
             <a:fld id="{9CB987B1-6524-44CA-BEB2-5C62FEE9C072}" type="datetimeFigureOut">
               <a:rPr lang="zh-CN" altLang="en-US" smtClean="0"/>
-              <a:t>2020/12/23</a:t>
+              <a:t>2020/12/24</a:t>
             </a:fld>
             <a:endParaRPr lang="zh-CN" altLang="en-US"/>
           </a:p>
@@ -872,7 +881,7 @@
           <a:p>
             <a:fld id="{9CB987B1-6524-44CA-BEB2-5C62FEE9C072}" type="datetimeFigureOut">
               <a:rPr lang="zh-CN" altLang="en-US" smtClean="0"/>
-              <a:t>2020/12/23</a:t>
+              <a:t>2020/12/24</a:t>
             </a:fld>
             <a:endParaRPr lang="zh-CN" altLang="en-US"/>
           </a:p>
@@ -1147,7 +1156,7 @@
           <a:p>
             <a:fld id="{9CB987B1-6524-44CA-BEB2-5C62FEE9C072}" type="datetimeFigureOut">
               <a:rPr lang="zh-CN" altLang="en-US" smtClean="0"/>
-              <a:t>2020/12/23</a:t>
+              <a:t>2020/12/24</a:t>
             </a:fld>
             <a:endParaRPr lang="zh-CN" altLang="en-US"/>
           </a:p>
@@ -1412,7 +1421,7 @@
           <a:p>
             <a:fld id="{9CB987B1-6524-44CA-BEB2-5C62FEE9C072}" type="datetimeFigureOut">
               <a:rPr lang="zh-CN" altLang="en-US" smtClean="0"/>
-              <a:t>2020/12/23</a:t>
+              <a:t>2020/12/24</a:t>
             </a:fld>
             <a:endParaRPr lang="zh-CN" altLang="en-US"/>
           </a:p>
@@ -1824,7 +1833,7 @@
           <a:p>
             <a:fld id="{9CB987B1-6524-44CA-BEB2-5C62FEE9C072}" type="datetimeFigureOut">
               <a:rPr lang="zh-CN" altLang="en-US" smtClean="0"/>
-              <a:t>2020/12/23</a:t>
+              <a:t>2020/12/24</a:t>
             </a:fld>
             <a:endParaRPr lang="zh-CN" altLang="en-US"/>
           </a:p>
@@ -1965,7 +1974,7 @@
           <a:p>
             <a:fld id="{9CB987B1-6524-44CA-BEB2-5C62FEE9C072}" type="datetimeFigureOut">
               <a:rPr lang="zh-CN" altLang="en-US" smtClean="0"/>
-              <a:t>2020/12/23</a:t>
+              <a:t>2020/12/24</a:t>
             </a:fld>
             <a:endParaRPr lang="zh-CN" altLang="en-US"/>
           </a:p>
@@ -2078,7 +2087,7 @@
           <a:p>
             <a:fld id="{9CB987B1-6524-44CA-BEB2-5C62FEE9C072}" type="datetimeFigureOut">
               <a:rPr lang="zh-CN" altLang="en-US" smtClean="0"/>
-              <a:t>2020/12/23</a:t>
+              <a:t>2020/12/24</a:t>
             </a:fld>
             <a:endParaRPr lang="zh-CN" altLang="en-US"/>
           </a:p>
@@ -2389,7 +2398,7 @@
           <a:p>
             <a:fld id="{9CB987B1-6524-44CA-BEB2-5C62FEE9C072}" type="datetimeFigureOut">
               <a:rPr lang="zh-CN" altLang="en-US" smtClean="0"/>
-              <a:t>2020/12/23</a:t>
+              <a:t>2020/12/24</a:t>
             </a:fld>
             <a:endParaRPr lang="zh-CN" altLang="en-US"/>
           </a:p>
@@ -2677,7 +2686,7 @@
           <a:p>
             <a:fld id="{9CB987B1-6524-44CA-BEB2-5C62FEE9C072}" type="datetimeFigureOut">
               <a:rPr lang="zh-CN" altLang="en-US" smtClean="0"/>
-              <a:t>2020/12/23</a:t>
+              <a:t>2020/12/24</a:t>
             </a:fld>
             <a:endParaRPr lang="zh-CN" altLang="en-US"/>
           </a:p>
@@ -2918,7 +2927,7 @@
           <a:p>
             <a:fld id="{9CB987B1-6524-44CA-BEB2-5C62FEE9C072}" type="datetimeFigureOut">
               <a:rPr lang="zh-CN" altLang="en-US" smtClean="0"/>
-              <a:t>2020/12/23</a:t>
+              <a:t>2020/12/24</a:t>
             </a:fld>
             <a:endParaRPr lang="zh-CN" altLang="en-US"/>
           </a:p>
@@ -3459,7 +3468,7 @@
         </p:blipFill>
         <p:spPr>
           <a:xfrm>
-            <a:off x="947057" y="2062452"/>
+            <a:off x="635034" y="2062452"/>
             <a:ext cx="3238500" cy="3118758"/>
           </a:xfrm>
           <a:prstGeom prst="rect">
@@ -4582,10 +4591,10 @@
       </p:sp>
       <p:pic>
         <p:nvPicPr>
-          <p:cNvPr id="4" name="图片 3">
-            <a:extLst>
-              <a:ext uri="{FF2B5EF4-FFF2-40B4-BE49-F238E27FC236}">
-                <a16:creationId xmlns:a16="http://schemas.microsoft.com/office/drawing/2014/main" id="{827238B3-8C88-43E4-8422-CC9F62C925A4}"/>
+          <p:cNvPr id="5" name="图片 4">
+            <a:extLst>
+              <a:ext uri="{FF2B5EF4-FFF2-40B4-BE49-F238E27FC236}">
+                <a16:creationId xmlns:a16="http://schemas.microsoft.com/office/drawing/2014/main" id="{C0ACE986-CBF8-410B-B237-67C69C3332A9}"/>
               </a:ext>
             </a:extLst>
           </p:cNvPr>
@@ -4594,16 +4603,15 @@
           </p:cNvPicPr>
           <p:nvPr/>
         </p:nvPicPr>
-        <p:blipFill>
+        <p:blipFill rotWithShape="1">
           <a:blip r:embed="rId2"/>
-          <a:stretch>
-            <a:fillRect/>
-          </a:stretch>
+          <a:srcRect b="38971"/>
+          <a:stretch/>
         </p:blipFill>
         <p:spPr>
           <a:xfrm>
-            <a:off x="332014" y="2559747"/>
-            <a:ext cx="3804557" cy="1738506"/>
+            <a:off x="4119236" y="2789128"/>
+            <a:ext cx="7840093" cy="3082967"/>
           </a:xfrm>
           <a:prstGeom prst="rect">
             <a:avLst/>
@@ -4612,10 +4620,10 @@
       </p:pic>
       <p:pic>
         <p:nvPicPr>
-          <p:cNvPr id="5" name="图片 4">
-            <a:extLst>
-              <a:ext uri="{FF2B5EF4-FFF2-40B4-BE49-F238E27FC236}">
-                <a16:creationId xmlns:a16="http://schemas.microsoft.com/office/drawing/2014/main" id="{C0ACE986-CBF8-410B-B237-67C69C3332A9}"/>
+          <p:cNvPr id="7" name="图片 6">
+            <a:extLst>
+              <a:ext uri="{FF2B5EF4-FFF2-40B4-BE49-F238E27FC236}">
+                <a16:creationId xmlns:a16="http://schemas.microsoft.com/office/drawing/2014/main" id="{FB2C1BD7-191E-41A1-90F9-00598C68F6D4}"/>
               </a:ext>
             </a:extLst>
           </p:cNvPr>
@@ -4632,8 +4640,8 @@
         </p:blipFill>
         <p:spPr>
           <a:xfrm>
-            <a:off x="4136571" y="1268017"/>
-            <a:ext cx="7840093" cy="5051625"/>
+            <a:off x="653078" y="1300933"/>
+            <a:ext cx="3124832" cy="2586235"/>
           </a:xfrm>
           <a:prstGeom prst="rect">
             <a:avLst/>
@@ -4642,10 +4650,10 @@
       </p:pic>
       <p:pic>
         <p:nvPicPr>
-          <p:cNvPr id="6" name="图片 5">
-            <a:extLst>
-              <a:ext uri="{FF2B5EF4-FFF2-40B4-BE49-F238E27FC236}">
-                <a16:creationId xmlns:a16="http://schemas.microsoft.com/office/drawing/2014/main" id="{4BD66577-10F2-48CE-A1AD-FE6E10FF84A8}"/>
+          <p:cNvPr id="9" name="图片 8">
+            <a:extLst>
+              <a:ext uri="{FF2B5EF4-FFF2-40B4-BE49-F238E27FC236}">
+                <a16:creationId xmlns:a16="http://schemas.microsoft.com/office/drawing/2014/main" id="{95AD2B01-E67E-4E54-8112-8B3195686213}"/>
               </a:ext>
             </a:extLst>
           </p:cNvPr>
@@ -4654,51 +4662,57 @@
           </p:cNvPicPr>
           <p:nvPr/>
         </p:nvPicPr>
-        <p:blipFill rotWithShape="1">
+        <p:blipFill>
           <a:blip r:embed="rId4"/>
-          <a:srcRect t="25635" b="30158"/>
-          <a:stretch/>
+          <a:stretch>
+            <a:fillRect/>
+          </a:stretch>
         </p:blipFill>
         <p:spPr>
           <a:xfrm>
-            <a:off x="906235" y="1289829"/>
-            <a:ext cx="2495550" cy="1103192"/>
+            <a:off x="1266238" y="4071291"/>
+            <a:ext cx="2248351" cy="2248351"/>
           </a:xfrm>
           <a:prstGeom prst="rect">
             <a:avLst/>
           </a:prstGeom>
         </p:spPr>
       </p:pic>
-      <p:pic>
-        <p:nvPicPr>
-          <p:cNvPr id="8" name="图片 7">
-            <a:extLst>
-              <a:ext uri="{FF2B5EF4-FFF2-40B4-BE49-F238E27FC236}">
-                <a16:creationId xmlns:a16="http://schemas.microsoft.com/office/drawing/2014/main" id="{1CABCFC4-5170-41EF-9235-D91CAAF68D15}"/>
-              </a:ext>
-            </a:extLst>
-          </p:cNvPr>
-          <p:cNvPicPr>
-            <a:picLocks noChangeAspect="1"/>
-          </p:cNvPicPr>
+      <p:sp>
+        <p:nvSpPr>
+          <p:cNvPr id="10" name="文本框 9">
+            <a:extLst>
+              <a:ext uri="{FF2B5EF4-FFF2-40B4-BE49-F238E27FC236}">
+                <a16:creationId xmlns:a16="http://schemas.microsoft.com/office/drawing/2014/main" id="{447F8272-53AF-459F-8BD7-B8C68C7D2A35}"/>
+              </a:ext>
+            </a:extLst>
+          </p:cNvPr>
+          <p:cNvSpPr txBox="1"/>
           <p:nvPr/>
-        </p:nvPicPr>
-        <p:blipFill>
-          <a:blip r:embed="rId5"/>
-          <a:stretch>
-            <a:fillRect/>
-          </a:stretch>
-        </p:blipFill>
+        </p:nvSpPr>
         <p:spPr>
           <a:xfrm>
-            <a:off x="650421" y="4778101"/>
-            <a:ext cx="3086100" cy="1182352"/>
+            <a:off x="4021627" y="1740687"/>
+            <a:ext cx="7328201" cy="369332"/>
           </a:xfrm>
           <a:prstGeom prst="rect">
             <a:avLst/>
           </a:prstGeom>
+          <a:noFill/>
         </p:spPr>
-      </p:pic>
+        <p:txBody>
+          <a:bodyPr wrap="square" rtlCol="0">
+            <a:spAutoFit/>
+          </a:bodyPr>
+          <a:lstStyle/>
+          <a:p>
+            <a:r>
+              <a:rPr lang="zh-CN" altLang="en-US" dirty="0"/>
+              <a:t>用于连接超声波探头、各种电极</a:t>
+            </a:r>
+          </a:p>
+        </p:txBody>
+      </p:sp>
     </p:spTree>
     <p:extLst>
       <p:ext uri="{BB962C8B-B14F-4D97-AF65-F5344CB8AC3E}">
@@ -4729,12 +4743,57 @@
           <a:chExt cx="0" cy="0"/>
         </a:xfrm>
       </p:grpSpPr>
+      <p:sp>
+        <p:nvSpPr>
+          <p:cNvPr id="2" name="文本框 1">
+            <a:extLst>
+              <a:ext uri="{FF2B5EF4-FFF2-40B4-BE49-F238E27FC236}">
+                <a16:creationId xmlns:a16="http://schemas.microsoft.com/office/drawing/2014/main" id="{DF289E13-8B9E-4116-A900-FB3FB2A59319}"/>
+              </a:ext>
+            </a:extLst>
+          </p:cNvPr>
+          <p:cNvSpPr txBox="1"/>
+          <p:nvPr/>
+        </p:nvSpPr>
+        <p:spPr>
+          <a:xfrm>
+            <a:off x="424740" y="538358"/>
+            <a:ext cx="6158073" cy="523220"/>
+          </a:xfrm>
+          <a:prstGeom prst="rect">
+            <a:avLst/>
+          </a:prstGeom>
+          <a:noFill/>
+        </p:spPr>
+        <p:txBody>
+          <a:bodyPr wrap="square" rtlCol="0">
+            <a:spAutoFit/>
+          </a:bodyPr>
+          <a:lstStyle/>
+          <a:p>
+            <a:r>
+              <a:rPr lang="en-US" altLang="zh-CN" sz="2800" dirty="0">
+                <a:latin typeface="华文仿宋" panose="02010600040101010101" pitchFamily="2" charset="-122"/>
+                <a:ea typeface="华文仿宋" panose="02010600040101010101" pitchFamily="2" charset="-122"/>
+              </a:rPr>
+              <a:t>LTC2380-24 </a:t>
+            </a:r>
+            <a:r>
+              <a:rPr lang="zh-CN" altLang="en-US" sz="2800" dirty="0">
+                <a:latin typeface="华文仿宋" panose="02010600040101010101" pitchFamily="2" charset="-122"/>
+                <a:ea typeface="华文仿宋" panose="02010600040101010101" pitchFamily="2" charset="-122"/>
+              </a:rPr>
+              <a:t>工作原理</a:t>
+            </a:r>
+          </a:p>
+        </p:txBody>
+      </p:sp>
       <p:pic>
         <p:nvPicPr>
-          <p:cNvPr id="3" name="图片 2">
-            <a:extLst>
-              <a:ext uri="{FF2B5EF4-FFF2-40B4-BE49-F238E27FC236}">
-                <a16:creationId xmlns:a16="http://schemas.microsoft.com/office/drawing/2014/main" id="{991B79D0-6451-4CDB-A4FE-C4FBD851E74A}"/>
+          <p:cNvPr id="4" name="图片 3">
+            <a:extLst>
+              <a:ext uri="{FF2B5EF4-FFF2-40B4-BE49-F238E27FC236}">
+                <a16:creationId xmlns:a16="http://schemas.microsoft.com/office/drawing/2014/main" id="{68B03C59-37A4-433C-B75A-4ACB7311A8E1}"/>
               </a:ext>
             </a:extLst>
           </p:cNvPr>
@@ -4751,14 +4810,1748 @@
         </p:blipFill>
         <p:spPr>
           <a:xfrm>
-            <a:off x="2816792" y="912364"/>
-            <a:ext cx="8150566" cy="5199964"/>
+            <a:off x="355359" y="1331788"/>
+            <a:ext cx="4488376" cy="4381279"/>
           </a:xfrm>
           <a:prstGeom prst="rect">
             <a:avLst/>
           </a:prstGeom>
         </p:spPr>
       </p:pic>
+      <p:sp>
+        <p:nvSpPr>
+          <p:cNvPr id="5" name="文本框 4">
+            <a:extLst>
+              <a:ext uri="{FF2B5EF4-FFF2-40B4-BE49-F238E27FC236}">
+                <a16:creationId xmlns:a16="http://schemas.microsoft.com/office/drawing/2014/main" id="{76327290-5FE1-4291-9EBF-35580847F2A1}"/>
+              </a:ext>
+            </a:extLst>
+          </p:cNvPr>
+          <p:cNvSpPr txBox="1"/>
+          <p:nvPr/>
+        </p:nvSpPr>
+        <p:spPr>
+          <a:xfrm>
+            <a:off x="5048520" y="1405295"/>
+            <a:ext cx="6812497" cy="1200329"/>
+          </a:xfrm>
+          <a:prstGeom prst="rect">
+            <a:avLst/>
+          </a:prstGeom>
+          <a:noFill/>
+        </p:spPr>
+        <p:txBody>
+          <a:bodyPr wrap="square" rtlCol="0">
+            <a:spAutoFit/>
+          </a:bodyPr>
+          <a:lstStyle/>
+          <a:p>
+            <a:r>
+              <a:rPr lang="en-US" altLang="zh-TW" dirty="0"/>
+              <a:t>LTC2380-24 </a:t>
+            </a:r>
+            <a:r>
+              <a:rPr lang="zh-TW" altLang="en-US" dirty="0"/>
+              <a:t>是一款低噪聲、低功率、高速 </a:t>
+            </a:r>
+            <a:r>
+              <a:rPr lang="en-US" altLang="zh-TW" dirty="0"/>
+              <a:t>24 </a:t>
+            </a:r>
+            <a:r>
+              <a:rPr lang="zh-TW" altLang="en-US" dirty="0"/>
+              <a:t>位逐次逼近</a:t>
+            </a:r>
+          </a:p>
+          <a:p>
+            <a:r>
+              <a:rPr lang="zh-TW" altLang="en-US" dirty="0"/>
+              <a:t>型寄存器 </a:t>
+            </a:r>
+            <a:r>
+              <a:rPr lang="en-US" altLang="zh-TW" dirty="0"/>
+              <a:t>(SAR) ADC</a:t>
+            </a:r>
+            <a:r>
+              <a:rPr lang="zh-TW" altLang="en-US" dirty="0"/>
+              <a:t>，其具有一個集成型數字平均濾波器</a:t>
+            </a:r>
+            <a:endParaRPr lang="en-US" altLang="zh-TW" dirty="0"/>
+          </a:p>
+          <a:p>
+            <a:endParaRPr lang="en-US" altLang="zh-CN" dirty="0"/>
+          </a:p>
+          <a:p>
+            <a:r>
+              <a:rPr lang="zh-CN" altLang="en-US" dirty="0"/>
+              <a:t>     逐次逼近：类似于二分法</a:t>
+            </a:r>
+          </a:p>
+        </p:txBody>
+      </p:sp>
+      <mc:AlternateContent xmlns:mc="http://schemas.openxmlformats.org/markup-compatibility/2006">
+        <mc:Choice xmlns:a14="http://schemas.microsoft.com/office/drawing/2010/main" Requires="a14">
+          <p:sp>
+            <p:nvSpPr>
+              <p:cNvPr id="6" name="文本框 5">
+                <a:extLst>
+                  <a:ext uri="{FF2B5EF4-FFF2-40B4-BE49-F238E27FC236}">
+                    <a16:creationId xmlns:a16="http://schemas.microsoft.com/office/drawing/2014/main" id="{EE2510CD-BBA6-4F29-AC6E-842BB5083FC0}"/>
+                  </a:ext>
+                </a:extLst>
+              </p:cNvPr>
+              <p:cNvSpPr txBox="1"/>
+              <p:nvPr/>
+            </p:nvSpPr>
+            <p:spPr>
+              <a:xfrm>
+                <a:off x="5351438" y="3383929"/>
+                <a:ext cx="1272784" cy="276999"/>
+              </a:xfrm>
+              <a:prstGeom prst="rect">
+                <a:avLst/>
+              </a:prstGeom>
+              <a:noFill/>
+            </p:spPr>
+            <p:txBody>
+              <a:bodyPr wrap="none" lIns="0" tIns="0" rIns="0" bIns="0" rtlCol="0">
+                <a:spAutoFit/>
+              </a:bodyPr>
+              <a:lstStyle/>
+              <a:p>
+                <a14:m>
+                  <m:oMathPara xmlns:m="http://schemas.openxmlformats.org/officeDocument/2006/math">
+                    <m:oMathParaPr>
+                      <m:jc m:val="centerGroup"/>
+                    </m:oMathParaPr>
+                    <m:oMath xmlns:m="http://schemas.openxmlformats.org/officeDocument/2006/math">
+                      <m:sSub>
+                        <m:sSubPr>
+                          <m:ctrlPr>
+                            <a:rPr lang="en-US" altLang="zh-CN" b="0" i="1" smtClean="0">
+                              <a:latin typeface="Cambria Math" panose="02040503050406030204" pitchFamily="18" charset="0"/>
+                            </a:rPr>
+                          </m:ctrlPr>
+                        </m:sSubPr>
+                        <m:e>
+                          <m:r>
+                            <a:rPr lang="en-US" altLang="zh-CN" b="0" i="1" smtClean="0">
+                              <a:latin typeface="Cambria Math" panose="02040503050406030204" pitchFamily="18" charset="0"/>
+                            </a:rPr>
+                            <m:t>𝑉</m:t>
+                          </m:r>
+                        </m:e>
+                        <m:sub>
+                          <m:r>
+                            <a:rPr lang="en-US" altLang="zh-CN" b="0" i="1" smtClean="0">
+                              <a:latin typeface="Cambria Math" panose="02040503050406030204" pitchFamily="18" charset="0"/>
+                            </a:rPr>
+                            <m:t>𝑅𝐸𝐹</m:t>
+                          </m:r>
+                        </m:sub>
+                      </m:sSub>
+                      <m:r>
+                        <a:rPr lang="en-US" altLang="zh-CN" b="0" i="1" smtClean="0">
+                          <a:latin typeface="Cambria Math" panose="02040503050406030204" pitchFamily="18" charset="0"/>
+                        </a:rPr>
+                        <m:t>=2.5</m:t>
+                      </m:r>
+                      <m:r>
+                        <a:rPr lang="en-US" altLang="zh-CN" b="0" i="1" smtClean="0">
+                          <a:latin typeface="Cambria Math" panose="02040503050406030204" pitchFamily="18" charset="0"/>
+                        </a:rPr>
+                        <m:t>𝑉</m:t>
+                      </m:r>
+                    </m:oMath>
+                  </m:oMathPara>
+                </a14:m>
+                <a:endParaRPr lang="en-US" altLang="zh-CN" b="0" dirty="0"/>
+              </a:p>
+            </p:txBody>
+          </p:sp>
+        </mc:Choice>
+        <mc:Fallback>
+          <p:sp>
+            <p:nvSpPr>
+              <p:cNvPr id="6" name="文本框 5">
+                <a:extLst>
+                  <a:ext uri="{FF2B5EF4-FFF2-40B4-BE49-F238E27FC236}">
+                    <a16:creationId xmlns:a16="http://schemas.microsoft.com/office/drawing/2014/main" id="{EE2510CD-BBA6-4F29-AC6E-842BB5083FC0}"/>
+                  </a:ext>
+                </a:extLst>
+              </p:cNvPr>
+              <p:cNvSpPr txBox="1">
+                <a:spLocks noRot="1" noChangeAspect="1" noMove="1" noResize="1" noEditPoints="1" noAdjustHandles="1" noChangeArrowheads="1" noChangeShapeType="1" noTextEdit="1"/>
+              </p:cNvSpPr>
+              <p:nvPr/>
+            </p:nvSpPr>
+            <p:spPr>
+              <a:xfrm>
+                <a:off x="5351438" y="3383929"/>
+                <a:ext cx="1272784" cy="276999"/>
+              </a:xfrm>
+              <a:prstGeom prst="rect">
+                <a:avLst/>
+              </a:prstGeom>
+              <a:blipFill>
+                <a:blip r:embed="rId3"/>
+                <a:stretch>
+                  <a:fillRect l="-3828" r="-3349" b="-15217"/>
+                </a:stretch>
+              </a:blipFill>
+            </p:spPr>
+            <p:txBody>
+              <a:bodyPr/>
+              <a:lstStyle/>
+              <a:p>
+                <a:r>
+                  <a:rPr lang="zh-CN" altLang="en-US">
+                    <a:noFill/>
+                  </a:rPr>
+                  <a:t> </a:t>
+                </a:r>
+              </a:p>
+            </p:txBody>
+          </p:sp>
+        </mc:Fallback>
+      </mc:AlternateContent>
+      <p:sp>
+        <p:nvSpPr>
+          <p:cNvPr id="8" name="文本框 7">
+            <a:extLst>
+              <a:ext uri="{FF2B5EF4-FFF2-40B4-BE49-F238E27FC236}">
+                <a16:creationId xmlns:a16="http://schemas.microsoft.com/office/drawing/2014/main" id="{2829F888-3297-4BE7-99BA-B465BE81F67D}"/>
+              </a:ext>
+            </a:extLst>
+          </p:cNvPr>
+          <p:cNvSpPr txBox="1"/>
+          <p:nvPr/>
+        </p:nvSpPr>
+        <p:spPr>
+          <a:xfrm>
+            <a:off x="6510224" y="3337762"/>
+            <a:ext cx="4115883" cy="369332"/>
+          </a:xfrm>
+          <a:prstGeom prst="rect">
+            <a:avLst/>
+          </a:prstGeom>
+          <a:noFill/>
+        </p:spPr>
+        <p:txBody>
+          <a:bodyPr wrap="square">
+            <a:spAutoFit/>
+          </a:bodyPr>
+          <a:lstStyle/>
+          <a:p>
+            <a:r>
+              <a:rPr lang="zh-CN" altLang="en-US" dirty="0"/>
+              <a:t>由精密基准电压源芯片</a:t>
+            </a:r>
+            <a:r>
+              <a:rPr lang="en-US" altLang="zh-CN" dirty="0"/>
+              <a:t>LTC6655</a:t>
+            </a:r>
+            <a:r>
+              <a:rPr lang="zh-CN" altLang="en-US" dirty="0"/>
+              <a:t>提供</a:t>
+            </a:r>
+          </a:p>
+        </p:txBody>
+      </p:sp>
+      <p:sp>
+        <p:nvSpPr>
+          <p:cNvPr id="9" name="文本框 8">
+            <a:extLst>
+              <a:ext uri="{FF2B5EF4-FFF2-40B4-BE49-F238E27FC236}">
+                <a16:creationId xmlns:a16="http://schemas.microsoft.com/office/drawing/2014/main" id="{A939238D-E45D-489D-845A-2FC039BE37D8}"/>
+              </a:ext>
+            </a:extLst>
+          </p:cNvPr>
+          <p:cNvSpPr txBox="1"/>
+          <p:nvPr/>
+        </p:nvSpPr>
+        <p:spPr>
+          <a:xfrm>
+            <a:off x="5267189" y="3852726"/>
+            <a:ext cx="4115883" cy="369332"/>
+          </a:xfrm>
+          <a:prstGeom prst="rect">
+            <a:avLst/>
+          </a:prstGeom>
+          <a:noFill/>
+        </p:spPr>
+        <p:txBody>
+          <a:bodyPr wrap="square">
+            <a:spAutoFit/>
+          </a:bodyPr>
+          <a:lstStyle/>
+          <a:p>
+            <a:r>
+              <a:rPr lang="zh-CN" altLang="en-US" dirty="0"/>
+              <a:t>测量电压（差分输入）</a:t>
+            </a:r>
+          </a:p>
+        </p:txBody>
+      </p:sp>
+      <mc:AlternateContent xmlns:mc="http://schemas.openxmlformats.org/markup-compatibility/2006">
+        <mc:Choice xmlns:a14="http://schemas.microsoft.com/office/drawing/2010/main" Requires="a14">
+          <p:sp>
+            <p:nvSpPr>
+              <p:cNvPr id="11" name="文本框 10">
+                <a:extLst>
+                  <a:ext uri="{FF2B5EF4-FFF2-40B4-BE49-F238E27FC236}">
+                    <a16:creationId xmlns:a16="http://schemas.microsoft.com/office/drawing/2014/main" id="{D0049407-E000-4577-805D-37F28C8C2C45}"/>
+                  </a:ext>
+                </a:extLst>
+              </p:cNvPr>
+              <p:cNvSpPr txBox="1"/>
+              <p:nvPr/>
+            </p:nvSpPr>
+            <p:spPr>
+              <a:xfrm>
+                <a:off x="7372621" y="3852726"/>
+                <a:ext cx="2629441" cy="646331"/>
+              </a:xfrm>
+              <a:prstGeom prst="rect">
+                <a:avLst/>
+              </a:prstGeom>
+              <a:noFill/>
+            </p:spPr>
+            <p:txBody>
+              <a:bodyPr wrap="square">
+                <a:spAutoFit/>
+              </a:bodyPr>
+              <a:lstStyle/>
+              <a:p>
+                <a:pPr/>
+                <a14:m>
+                  <m:oMathPara xmlns:m="http://schemas.openxmlformats.org/officeDocument/2006/math">
+                    <m:oMathParaPr>
+                      <m:jc m:val="centerGroup"/>
+                    </m:oMathParaPr>
+                    <m:oMath xmlns:m="http://schemas.openxmlformats.org/officeDocument/2006/math">
+                      <m:sSub>
+                        <m:sSubPr>
+                          <m:ctrlPr>
+                            <a:rPr lang="en-US" altLang="zh-CN" b="0" i="1" smtClean="0">
+                              <a:latin typeface="Cambria Math" panose="02040503050406030204" pitchFamily="18" charset="0"/>
+                            </a:rPr>
+                          </m:ctrlPr>
+                        </m:sSubPr>
+                        <m:e>
+                          <m:r>
+                            <a:rPr lang="en-US" altLang="zh-CN" b="0" i="1" smtClean="0">
+                              <a:latin typeface="Cambria Math" panose="02040503050406030204" pitchFamily="18" charset="0"/>
+                            </a:rPr>
+                            <m:t>𝑉</m:t>
+                          </m:r>
+                        </m:e>
+                        <m:sub>
+                          <m:r>
+                            <a:rPr lang="en-US" altLang="zh-CN" b="0" i="1" smtClean="0">
+                              <a:latin typeface="Cambria Math" panose="02040503050406030204" pitchFamily="18" charset="0"/>
+                            </a:rPr>
+                            <m:t>𝐹𝑆𝑅</m:t>
+                          </m:r>
+                        </m:sub>
+                      </m:sSub>
+                      <m:r>
+                        <a:rPr lang="en-US" altLang="zh-CN" b="0" i="1" smtClean="0">
+                          <a:latin typeface="Cambria Math" panose="02040503050406030204" pitchFamily="18" charset="0"/>
+                        </a:rPr>
+                        <m:t>=2</m:t>
+                      </m:r>
+                      <m:sSub>
+                        <m:sSubPr>
+                          <m:ctrlPr>
+                            <a:rPr lang="en-US" altLang="zh-CN" b="0" i="1" smtClean="0">
+                              <a:latin typeface="Cambria Math" panose="02040503050406030204" pitchFamily="18" charset="0"/>
+                            </a:rPr>
+                          </m:ctrlPr>
+                        </m:sSubPr>
+                        <m:e>
+                          <m:r>
+                            <a:rPr lang="en-US" altLang="zh-CN" b="0" i="1" smtClean="0">
+                              <a:latin typeface="Cambria Math" panose="02040503050406030204" pitchFamily="18" charset="0"/>
+                            </a:rPr>
+                            <m:t>𝑉</m:t>
+                          </m:r>
+                        </m:e>
+                        <m:sub>
+                          <m:r>
+                            <a:rPr lang="en-US" altLang="zh-CN" b="0" i="1" smtClean="0">
+                              <a:latin typeface="Cambria Math" panose="02040503050406030204" pitchFamily="18" charset="0"/>
+                            </a:rPr>
+                            <m:t>𝑅𝐸𝐹</m:t>
+                          </m:r>
+                        </m:sub>
+                      </m:sSub>
+                    </m:oMath>
+                  </m:oMathPara>
+                </a14:m>
+                <a:endParaRPr lang="en-US" altLang="zh-CN" b="0" dirty="0"/>
+              </a:p>
+              <a:p>
+                <a:pPr/>
+                <a:endParaRPr lang="zh-CN" altLang="en-US" dirty="0"/>
+              </a:p>
+            </p:txBody>
+          </p:sp>
+        </mc:Choice>
+        <mc:Fallback>
+          <p:sp>
+            <p:nvSpPr>
+              <p:cNvPr id="11" name="文本框 10">
+                <a:extLst>
+                  <a:ext uri="{FF2B5EF4-FFF2-40B4-BE49-F238E27FC236}">
+                    <a16:creationId xmlns:a16="http://schemas.microsoft.com/office/drawing/2014/main" id="{D0049407-E000-4577-805D-37F28C8C2C45}"/>
+                  </a:ext>
+                </a:extLst>
+              </p:cNvPr>
+              <p:cNvSpPr txBox="1">
+                <a:spLocks noRot="1" noChangeAspect="1" noMove="1" noResize="1" noEditPoints="1" noAdjustHandles="1" noChangeArrowheads="1" noChangeShapeType="1" noTextEdit="1"/>
+              </p:cNvSpPr>
+              <p:nvPr/>
+            </p:nvSpPr>
+            <p:spPr>
+              <a:xfrm>
+                <a:off x="7372621" y="3852726"/>
+                <a:ext cx="2629441" cy="646331"/>
+              </a:xfrm>
+              <a:prstGeom prst="rect">
+                <a:avLst/>
+              </a:prstGeom>
+              <a:blipFill>
+                <a:blip r:embed="rId4"/>
+                <a:stretch>
+                  <a:fillRect/>
+                </a:stretch>
+              </a:blipFill>
+            </p:spPr>
+            <p:txBody>
+              <a:bodyPr/>
+              <a:lstStyle/>
+              <a:p>
+                <a:r>
+                  <a:rPr lang="zh-CN" altLang="en-US">
+                    <a:noFill/>
+                  </a:rPr>
+                  <a:t> </a:t>
+                </a:r>
+              </a:p>
+            </p:txBody>
+          </p:sp>
+        </mc:Fallback>
+      </mc:AlternateContent>
+      <p:sp>
+        <p:nvSpPr>
+          <p:cNvPr id="12" name="文本框 11">
+            <a:extLst>
+              <a:ext uri="{FF2B5EF4-FFF2-40B4-BE49-F238E27FC236}">
+                <a16:creationId xmlns:a16="http://schemas.microsoft.com/office/drawing/2014/main" id="{906E3976-A07A-4FCD-BEAF-B75EADA68438}"/>
+              </a:ext>
+            </a:extLst>
+          </p:cNvPr>
+          <p:cNvSpPr txBox="1"/>
+          <p:nvPr/>
+        </p:nvSpPr>
+        <p:spPr>
+          <a:xfrm>
+            <a:off x="5267188" y="4413856"/>
+            <a:ext cx="4115883" cy="369332"/>
+          </a:xfrm>
+          <a:prstGeom prst="rect">
+            <a:avLst/>
+          </a:prstGeom>
+          <a:noFill/>
+        </p:spPr>
+        <p:txBody>
+          <a:bodyPr wrap="square">
+            <a:spAutoFit/>
+          </a:bodyPr>
+          <a:lstStyle/>
+          <a:p>
+            <a:r>
+              <a:rPr lang="zh-CN" altLang="en-US" dirty="0"/>
+              <a:t>量程：</a:t>
+            </a:r>
+          </a:p>
+        </p:txBody>
+      </p:sp>
+      <mc:AlternateContent xmlns:mc="http://schemas.openxmlformats.org/markup-compatibility/2006">
+        <mc:Choice xmlns:a14="http://schemas.microsoft.com/office/drawing/2010/main" Requires="a14">
+          <p:sp>
+            <p:nvSpPr>
+              <p:cNvPr id="13" name="文本框 12">
+                <a:extLst>
+                  <a:ext uri="{FF2B5EF4-FFF2-40B4-BE49-F238E27FC236}">
+                    <a16:creationId xmlns:a16="http://schemas.microsoft.com/office/drawing/2014/main" id="{FF18480C-0080-4ED7-A002-EDE50B6C4352}"/>
+                  </a:ext>
+                </a:extLst>
+              </p:cNvPr>
+              <p:cNvSpPr txBox="1"/>
+              <p:nvPr/>
+            </p:nvSpPr>
+            <p:spPr>
+              <a:xfrm>
+                <a:off x="6974647" y="4404762"/>
+                <a:ext cx="3954817" cy="766685"/>
+              </a:xfrm>
+              <a:prstGeom prst="rect">
+                <a:avLst/>
+              </a:prstGeom>
+              <a:noFill/>
+            </p:spPr>
+            <p:txBody>
+              <a:bodyPr wrap="square">
+                <a:spAutoFit/>
+              </a:bodyPr>
+              <a:lstStyle/>
+              <a:p>
+                <a:pPr/>
+                <a:r>
+                  <a:rPr lang="en-US" altLang="zh-CN" b="0" dirty="0"/>
+                  <a:t>-</a:t>
+                </a:r>
+                <a14:m>
+                  <m:oMath xmlns:m="http://schemas.openxmlformats.org/officeDocument/2006/math">
+                    <m:sSub>
+                      <m:sSubPr>
+                        <m:ctrlPr>
+                          <a:rPr lang="en-US" altLang="zh-CN" b="0" i="1" smtClean="0">
+                            <a:latin typeface="Cambria Math" panose="02040503050406030204" pitchFamily="18" charset="0"/>
+                          </a:rPr>
+                        </m:ctrlPr>
+                      </m:sSubPr>
+                      <m:e>
+                        <m:r>
+                          <a:rPr lang="en-US" altLang="zh-CN" b="0" i="1" smtClean="0">
+                            <a:latin typeface="Cambria Math" panose="02040503050406030204" pitchFamily="18" charset="0"/>
+                          </a:rPr>
+                          <m:t>𝑉</m:t>
+                        </m:r>
+                      </m:e>
+                      <m:sub>
+                        <m:r>
+                          <a:rPr lang="en-US" altLang="zh-CN" b="0" i="1" smtClean="0">
+                            <a:latin typeface="Cambria Math" panose="02040503050406030204" pitchFamily="18" charset="0"/>
+                          </a:rPr>
+                          <m:t>𝑅𝐸𝐹</m:t>
+                        </m:r>
+                      </m:sub>
+                    </m:sSub>
+                    <m:r>
+                      <a:rPr lang="en-US" altLang="zh-CN" b="0" i="1" smtClean="0">
+                        <a:latin typeface="Cambria Math" panose="02040503050406030204" pitchFamily="18" charset="0"/>
+                        <a:ea typeface="Cambria Math" panose="02040503050406030204" pitchFamily="18" charset="0"/>
+                      </a:rPr>
+                      <m:t>≤</m:t>
+                    </m:r>
+                    <m:sSub>
+                      <m:sSubPr>
+                        <m:ctrlPr>
+                          <a:rPr lang="en-US" altLang="zh-CN" b="0" i="1" smtClean="0">
+                            <a:latin typeface="Cambria Math" panose="02040503050406030204" pitchFamily="18" charset="0"/>
+                            <a:ea typeface="Cambria Math" panose="02040503050406030204" pitchFamily="18" charset="0"/>
+                          </a:rPr>
+                        </m:ctrlPr>
+                      </m:sSubPr>
+                      <m:e>
+                        <m:r>
+                          <a:rPr lang="en-US" altLang="zh-CN" b="0" i="1" smtClean="0">
+                            <a:latin typeface="Cambria Math" panose="02040503050406030204" pitchFamily="18" charset="0"/>
+                            <a:ea typeface="Cambria Math" panose="02040503050406030204" pitchFamily="18" charset="0"/>
+                          </a:rPr>
+                          <m:t>𝑉</m:t>
+                        </m:r>
+                      </m:e>
+                      <m:sub>
+                        <m:r>
+                          <a:rPr lang="en-US" altLang="zh-CN" b="0" i="1" smtClean="0">
+                            <a:latin typeface="Cambria Math" panose="02040503050406030204" pitchFamily="18" charset="0"/>
+                            <a:ea typeface="Cambria Math" panose="02040503050406030204" pitchFamily="18" charset="0"/>
+                          </a:rPr>
+                          <m:t>𝑡𝑒𝑠𝑡</m:t>
+                        </m:r>
+                      </m:sub>
+                    </m:sSub>
+                    <m:r>
+                      <a:rPr lang="en-US" altLang="zh-CN" b="0" i="1" smtClean="0">
+                        <a:latin typeface="Cambria Math" panose="02040503050406030204" pitchFamily="18" charset="0"/>
+                        <a:ea typeface="Cambria Math" panose="02040503050406030204" pitchFamily="18" charset="0"/>
+                      </a:rPr>
+                      <m:t>≤</m:t>
+                    </m:r>
+                    <m:f>
+                      <m:fPr>
+                        <m:ctrlPr>
+                          <a:rPr lang="en-US" altLang="zh-CN" b="0" i="1" smtClean="0">
+                            <a:latin typeface="Cambria Math" panose="02040503050406030204" pitchFamily="18" charset="0"/>
+                            <a:ea typeface="Cambria Math" panose="02040503050406030204" pitchFamily="18" charset="0"/>
+                          </a:rPr>
+                        </m:ctrlPr>
+                      </m:fPr>
+                      <m:num>
+                        <m:r>
+                          <a:rPr lang="en-US" altLang="zh-CN" b="0" i="1" smtClean="0">
+                            <a:latin typeface="Cambria Math" panose="02040503050406030204" pitchFamily="18" charset="0"/>
+                            <a:ea typeface="Cambria Math" panose="02040503050406030204" pitchFamily="18" charset="0"/>
+                          </a:rPr>
+                          <m:t>1677215</m:t>
+                        </m:r>
+                        <m:sSub>
+                          <m:sSubPr>
+                            <m:ctrlPr>
+                              <a:rPr lang="en-US" altLang="zh-CN" b="0" i="1" smtClean="0">
+                                <a:latin typeface="Cambria Math" panose="02040503050406030204" pitchFamily="18" charset="0"/>
+                                <a:ea typeface="Cambria Math" panose="02040503050406030204" pitchFamily="18" charset="0"/>
+                              </a:rPr>
+                            </m:ctrlPr>
+                          </m:sSubPr>
+                          <m:e>
+                            <m:r>
+                              <a:rPr lang="en-US" altLang="zh-CN" b="0" i="1" smtClean="0">
+                                <a:latin typeface="Cambria Math" panose="02040503050406030204" pitchFamily="18" charset="0"/>
+                                <a:ea typeface="Cambria Math" panose="02040503050406030204" pitchFamily="18" charset="0"/>
+                              </a:rPr>
+                              <m:t>𝑉</m:t>
+                            </m:r>
+                          </m:e>
+                          <m:sub>
+                            <m:r>
+                              <a:rPr lang="en-US" altLang="zh-CN" b="0" i="1" smtClean="0">
+                                <a:latin typeface="Cambria Math" panose="02040503050406030204" pitchFamily="18" charset="0"/>
+                                <a:ea typeface="Cambria Math" panose="02040503050406030204" pitchFamily="18" charset="0"/>
+                              </a:rPr>
+                              <m:t>𝑅𝐸𝐹</m:t>
+                            </m:r>
+                          </m:sub>
+                        </m:sSub>
+                      </m:num>
+                      <m:den>
+                        <m:r>
+                          <a:rPr lang="en-US" altLang="zh-CN" b="0" i="1" smtClean="0">
+                            <a:latin typeface="Cambria Math" panose="02040503050406030204" pitchFamily="18" charset="0"/>
+                            <a:ea typeface="Cambria Math" panose="02040503050406030204" pitchFamily="18" charset="0"/>
+                          </a:rPr>
+                          <m:t>1677216</m:t>
+                        </m:r>
+                      </m:den>
+                    </m:f>
+                  </m:oMath>
+                </a14:m>
+                <a:endParaRPr lang="en-US" altLang="zh-CN" b="0" dirty="0"/>
+              </a:p>
+              <a:p>
+                <a:pPr/>
+                <a:endParaRPr lang="zh-CN" altLang="en-US" dirty="0"/>
+              </a:p>
+            </p:txBody>
+          </p:sp>
+        </mc:Choice>
+        <mc:Fallback>
+          <p:sp>
+            <p:nvSpPr>
+              <p:cNvPr id="13" name="文本框 12">
+                <a:extLst>
+                  <a:ext uri="{FF2B5EF4-FFF2-40B4-BE49-F238E27FC236}">
+                    <a16:creationId xmlns:a16="http://schemas.microsoft.com/office/drawing/2014/main" id="{FF18480C-0080-4ED7-A002-EDE50B6C4352}"/>
+                  </a:ext>
+                </a:extLst>
+              </p:cNvPr>
+              <p:cNvSpPr txBox="1">
+                <a:spLocks noRot="1" noChangeAspect="1" noMove="1" noResize="1" noEditPoints="1" noAdjustHandles="1" noChangeArrowheads="1" noChangeShapeType="1" noTextEdit="1"/>
+              </p:cNvSpPr>
+              <p:nvPr/>
+            </p:nvSpPr>
+            <p:spPr>
+              <a:xfrm>
+                <a:off x="6974647" y="4404762"/>
+                <a:ext cx="3954817" cy="766685"/>
+              </a:xfrm>
+              <a:prstGeom prst="rect">
+                <a:avLst/>
+              </a:prstGeom>
+              <a:blipFill>
+                <a:blip r:embed="rId5"/>
+                <a:stretch>
+                  <a:fillRect l="-1233"/>
+                </a:stretch>
+              </a:blipFill>
+            </p:spPr>
+            <p:txBody>
+              <a:bodyPr/>
+              <a:lstStyle/>
+              <a:p>
+                <a:r>
+                  <a:rPr lang="zh-CN" altLang="en-US">
+                    <a:noFill/>
+                  </a:rPr>
+                  <a:t> </a:t>
+                </a:r>
+              </a:p>
+            </p:txBody>
+          </p:sp>
+        </mc:Fallback>
+      </mc:AlternateContent>
+      <p:sp>
+        <p:nvSpPr>
+          <p:cNvPr id="14" name="文本框 13">
+            <a:extLst>
+              <a:ext uri="{FF2B5EF4-FFF2-40B4-BE49-F238E27FC236}">
+                <a16:creationId xmlns:a16="http://schemas.microsoft.com/office/drawing/2014/main" id="{5CBAE288-1DB4-40EC-B534-FFC5BDDF604E}"/>
+              </a:ext>
+            </a:extLst>
+          </p:cNvPr>
+          <p:cNvSpPr txBox="1"/>
+          <p:nvPr/>
+        </p:nvSpPr>
+        <p:spPr>
+          <a:xfrm>
+            <a:off x="5254184" y="5139469"/>
+            <a:ext cx="4115883" cy="369332"/>
+          </a:xfrm>
+          <a:prstGeom prst="rect">
+            <a:avLst/>
+          </a:prstGeom>
+          <a:noFill/>
+        </p:spPr>
+        <p:txBody>
+          <a:bodyPr wrap="square">
+            <a:spAutoFit/>
+          </a:bodyPr>
+          <a:lstStyle/>
+          <a:p>
+            <a:r>
+              <a:rPr lang="zh-CN" altLang="en-US" dirty="0"/>
+              <a:t>分辨率：</a:t>
+            </a:r>
+          </a:p>
+        </p:txBody>
+      </p:sp>
+      <mc:AlternateContent xmlns:mc="http://schemas.openxmlformats.org/markup-compatibility/2006">
+        <mc:Choice xmlns:a14="http://schemas.microsoft.com/office/drawing/2010/main" Requires="a14">
+          <p:sp>
+            <p:nvSpPr>
+              <p:cNvPr id="16" name="文本框 15">
+                <a:extLst>
+                  <a:ext uri="{FF2B5EF4-FFF2-40B4-BE49-F238E27FC236}">
+                    <a16:creationId xmlns:a16="http://schemas.microsoft.com/office/drawing/2014/main" id="{BEB56BFF-0D84-447A-87CE-9DF8E9C985B3}"/>
+                  </a:ext>
+                </a:extLst>
+              </p:cNvPr>
+              <p:cNvSpPr txBox="1"/>
+              <p:nvPr/>
+            </p:nvSpPr>
+            <p:spPr>
+              <a:xfrm>
+                <a:off x="6715488" y="4974986"/>
+                <a:ext cx="3325715" cy="610873"/>
+              </a:xfrm>
+              <a:prstGeom prst="rect">
+                <a:avLst/>
+              </a:prstGeom>
+              <a:noFill/>
+            </p:spPr>
+            <p:txBody>
+              <a:bodyPr wrap="square">
+                <a:spAutoFit/>
+              </a:bodyPr>
+              <a:lstStyle/>
+              <a:p>
+                <a:pPr/>
+                <a14:m>
+                  <m:oMathPara xmlns:m="http://schemas.openxmlformats.org/officeDocument/2006/math">
+                    <m:oMathParaPr>
+                      <m:jc m:val="centerGroup"/>
+                    </m:oMathParaPr>
+                    <m:oMath xmlns:m="http://schemas.openxmlformats.org/officeDocument/2006/math">
+                      <m:f>
+                        <m:fPr>
+                          <m:ctrlPr>
+                            <a:rPr lang="en-US" altLang="zh-CN" b="0" i="1" smtClean="0">
+                              <a:latin typeface="Cambria Math" panose="02040503050406030204" pitchFamily="18" charset="0"/>
+                              <a:ea typeface="Cambria Math" panose="02040503050406030204" pitchFamily="18" charset="0"/>
+                            </a:rPr>
+                          </m:ctrlPr>
+                        </m:fPr>
+                        <m:num>
+                          <m:sSub>
+                            <m:sSubPr>
+                              <m:ctrlPr>
+                                <a:rPr lang="en-US" altLang="zh-CN" b="0" i="1" smtClean="0">
+                                  <a:latin typeface="Cambria Math" panose="02040503050406030204" pitchFamily="18" charset="0"/>
+                                  <a:ea typeface="Cambria Math" panose="02040503050406030204" pitchFamily="18" charset="0"/>
+                                </a:rPr>
+                              </m:ctrlPr>
+                            </m:sSubPr>
+                            <m:e>
+                              <m:r>
+                                <a:rPr lang="en-US" altLang="zh-CN" b="0" i="1" smtClean="0">
+                                  <a:latin typeface="Cambria Math" panose="02040503050406030204" pitchFamily="18" charset="0"/>
+                                  <a:ea typeface="Cambria Math" panose="02040503050406030204" pitchFamily="18" charset="0"/>
+                                </a:rPr>
+                                <m:t>𝑉</m:t>
+                              </m:r>
+                            </m:e>
+                            <m:sub>
+                              <m:r>
+                                <a:rPr lang="en-US" altLang="zh-CN" b="0" i="1" smtClean="0">
+                                  <a:latin typeface="Cambria Math" panose="02040503050406030204" pitchFamily="18" charset="0"/>
+                                  <a:ea typeface="Cambria Math" panose="02040503050406030204" pitchFamily="18" charset="0"/>
+                                </a:rPr>
+                                <m:t>𝑅𝐸𝐹</m:t>
+                              </m:r>
+                            </m:sub>
+                          </m:sSub>
+                        </m:num>
+                        <m:den>
+                          <m:r>
+                            <a:rPr lang="en-US" altLang="zh-CN" b="0" i="1" smtClean="0">
+                              <a:latin typeface="Cambria Math" panose="02040503050406030204" pitchFamily="18" charset="0"/>
+                              <a:ea typeface="Cambria Math" panose="02040503050406030204" pitchFamily="18" charset="0"/>
+                            </a:rPr>
+                            <m:t>1677216</m:t>
+                          </m:r>
+                        </m:den>
+                      </m:f>
+                      <m:r>
+                        <a:rPr lang="en-US" altLang="zh-CN" i="1">
+                          <a:latin typeface="Cambria Math" panose="02040503050406030204" pitchFamily="18" charset="0"/>
+                          <a:ea typeface="Cambria Math" panose="02040503050406030204" pitchFamily="18" charset="0"/>
+                        </a:rPr>
+                        <m:t>=</m:t>
+                      </m:r>
+                      <m:r>
+                        <a:rPr lang="en-US" altLang="zh-CN" b="0" i="0" smtClean="0">
+                          <a:latin typeface="Cambria Math" panose="02040503050406030204" pitchFamily="18" charset="0"/>
+                          <a:ea typeface="Cambria Math" panose="02040503050406030204" pitchFamily="18" charset="0"/>
+                        </a:rPr>
+                        <m:t>1.49</m:t>
+                      </m:r>
+                      <m:r>
+                        <a:rPr lang="en-US" altLang="zh-CN" b="0" i="1" smtClean="0">
+                          <a:latin typeface="Cambria Math" panose="02040503050406030204" pitchFamily="18" charset="0"/>
+                          <a:ea typeface="Cambria Math" panose="02040503050406030204" pitchFamily="18" charset="0"/>
+                        </a:rPr>
+                        <m:t>×</m:t>
+                      </m:r>
+                      <m:sSup>
+                        <m:sSupPr>
+                          <m:ctrlPr>
+                            <a:rPr lang="en-US" altLang="zh-CN" b="0" i="1" smtClean="0">
+                              <a:latin typeface="Cambria Math" panose="02040503050406030204" pitchFamily="18" charset="0"/>
+                              <a:ea typeface="Cambria Math" panose="02040503050406030204" pitchFamily="18" charset="0"/>
+                            </a:rPr>
+                          </m:ctrlPr>
+                        </m:sSupPr>
+                        <m:e>
+                          <m:r>
+                            <a:rPr lang="en-US" altLang="zh-CN" b="0" i="1" smtClean="0">
+                              <a:latin typeface="Cambria Math" panose="02040503050406030204" pitchFamily="18" charset="0"/>
+                              <a:ea typeface="Cambria Math" panose="02040503050406030204" pitchFamily="18" charset="0"/>
+                            </a:rPr>
+                            <m:t>10</m:t>
+                          </m:r>
+                        </m:e>
+                        <m:sup>
+                          <m:r>
+                            <a:rPr lang="en-US" altLang="zh-CN" b="0" i="1" smtClean="0">
+                              <a:latin typeface="Cambria Math" panose="02040503050406030204" pitchFamily="18" charset="0"/>
+                              <a:ea typeface="Cambria Math" panose="02040503050406030204" pitchFamily="18" charset="0"/>
+                            </a:rPr>
+                            <m:t>−6</m:t>
+                          </m:r>
+                        </m:sup>
+                      </m:sSup>
+                      <m:r>
+                        <a:rPr lang="en-US" altLang="zh-CN" b="0" i="1" smtClean="0">
+                          <a:latin typeface="Cambria Math" panose="02040503050406030204" pitchFamily="18" charset="0"/>
+                          <a:ea typeface="Cambria Math" panose="02040503050406030204" pitchFamily="18" charset="0"/>
+                        </a:rPr>
+                        <m:t>𝑉</m:t>
+                      </m:r>
+                    </m:oMath>
+                  </m:oMathPara>
+                </a14:m>
+                <a:endParaRPr lang="zh-CN" altLang="en-US" dirty="0"/>
+              </a:p>
+            </p:txBody>
+          </p:sp>
+        </mc:Choice>
+        <mc:Fallback>
+          <p:sp>
+            <p:nvSpPr>
+              <p:cNvPr id="16" name="文本框 15">
+                <a:extLst>
+                  <a:ext uri="{FF2B5EF4-FFF2-40B4-BE49-F238E27FC236}">
+                    <a16:creationId xmlns:a16="http://schemas.microsoft.com/office/drawing/2014/main" id="{BEB56BFF-0D84-447A-87CE-9DF8E9C985B3}"/>
+                  </a:ext>
+                </a:extLst>
+              </p:cNvPr>
+              <p:cNvSpPr txBox="1">
+                <a:spLocks noRot="1" noChangeAspect="1" noMove="1" noResize="1" noEditPoints="1" noAdjustHandles="1" noChangeArrowheads="1" noChangeShapeType="1" noTextEdit="1"/>
+              </p:cNvSpPr>
+              <p:nvPr/>
+            </p:nvSpPr>
+            <p:spPr>
+              <a:xfrm>
+                <a:off x="6715488" y="4974986"/>
+                <a:ext cx="3325715" cy="610873"/>
+              </a:xfrm>
+              <a:prstGeom prst="rect">
+                <a:avLst/>
+              </a:prstGeom>
+              <a:blipFill>
+                <a:blip r:embed="rId6"/>
+                <a:stretch>
+                  <a:fillRect/>
+                </a:stretch>
+              </a:blipFill>
+            </p:spPr>
+            <p:txBody>
+              <a:bodyPr/>
+              <a:lstStyle/>
+              <a:p>
+                <a:r>
+                  <a:rPr lang="zh-CN" altLang="en-US">
+                    <a:noFill/>
+                  </a:rPr>
+                  <a:t> </a:t>
+                </a:r>
+              </a:p>
+            </p:txBody>
+          </p:sp>
+        </mc:Fallback>
+      </mc:AlternateContent>
+      <p:sp>
+        <p:nvSpPr>
+          <p:cNvPr id="19" name="文本框 18">
+            <a:extLst>
+              <a:ext uri="{FF2B5EF4-FFF2-40B4-BE49-F238E27FC236}">
+                <a16:creationId xmlns:a16="http://schemas.microsoft.com/office/drawing/2014/main" id="{2F05A0E3-10B5-4027-BD9D-02F9F029CE01}"/>
+              </a:ext>
+            </a:extLst>
+          </p:cNvPr>
+          <p:cNvSpPr txBox="1"/>
+          <p:nvPr/>
+        </p:nvSpPr>
+        <p:spPr>
+          <a:xfrm>
+            <a:off x="461172" y="6004330"/>
+            <a:ext cx="6812497" cy="369332"/>
+          </a:xfrm>
+          <a:prstGeom prst="rect">
+            <a:avLst/>
+          </a:prstGeom>
+          <a:noFill/>
+        </p:spPr>
+        <p:txBody>
+          <a:bodyPr wrap="square">
+            <a:spAutoFit/>
+          </a:bodyPr>
+          <a:lstStyle/>
+          <a:p>
+            <a:r>
+              <a:rPr lang="zh-CN" altLang="en-US" b="1" dirty="0"/>
+              <a:t>开启数字增益压缩功能后，量程变为原来的</a:t>
+            </a:r>
+            <a:r>
+              <a:rPr lang="en-US" altLang="zh-CN" b="1" dirty="0"/>
+              <a:t>80%</a:t>
+            </a:r>
+            <a:r>
+              <a:rPr lang="zh-CN" altLang="en-US" b="1" dirty="0"/>
+              <a:t>，分辨率提升</a:t>
+            </a:r>
+            <a:r>
+              <a:rPr lang="en-US" altLang="zh-CN" b="1" dirty="0"/>
+              <a:t>20%</a:t>
+            </a:r>
+            <a:endParaRPr lang="zh-CN" altLang="en-US" b="1" dirty="0"/>
+          </a:p>
+        </p:txBody>
+      </p:sp>
+      <mc:AlternateContent xmlns:mc="http://schemas.openxmlformats.org/markup-compatibility/2006">
+        <mc:Choice xmlns:a14="http://schemas.microsoft.com/office/drawing/2010/main" Requires="a14">
+          <p:sp>
+            <p:nvSpPr>
+              <p:cNvPr id="20" name="文本框 19">
+                <a:extLst>
+                  <a:ext uri="{FF2B5EF4-FFF2-40B4-BE49-F238E27FC236}">
+                    <a16:creationId xmlns:a16="http://schemas.microsoft.com/office/drawing/2014/main" id="{B8A64F78-764A-4269-BFC6-A63053FEA5ED}"/>
+                  </a:ext>
+                </a:extLst>
+              </p:cNvPr>
+              <p:cNvSpPr txBox="1"/>
+              <p:nvPr/>
+            </p:nvSpPr>
+            <p:spPr>
+              <a:xfrm>
+                <a:off x="7273669" y="5914852"/>
+                <a:ext cx="3954817" cy="766685"/>
+              </a:xfrm>
+              <a:prstGeom prst="rect">
+                <a:avLst/>
+              </a:prstGeom>
+              <a:noFill/>
+            </p:spPr>
+            <p:txBody>
+              <a:bodyPr wrap="square">
+                <a:spAutoFit/>
+              </a:bodyPr>
+              <a:lstStyle/>
+              <a:p>
+                <a:pPr/>
+                <a:r>
+                  <a:rPr lang="en-US" altLang="zh-CN" b="0" dirty="0"/>
+                  <a:t>-</a:t>
+                </a:r>
+                <a14:m>
+                  <m:oMath xmlns:m="http://schemas.openxmlformats.org/officeDocument/2006/math">
+                    <m:sSub>
+                      <m:sSubPr>
+                        <m:ctrlPr>
+                          <a:rPr lang="en-US" altLang="zh-CN" b="0" i="1" smtClean="0">
+                            <a:latin typeface="Cambria Math" panose="02040503050406030204" pitchFamily="18" charset="0"/>
+                          </a:rPr>
+                        </m:ctrlPr>
+                      </m:sSubPr>
+                      <m:e>
+                        <m:r>
+                          <a:rPr lang="en-US" altLang="zh-CN" i="1">
+                            <a:latin typeface="Cambria Math" panose="02040503050406030204" pitchFamily="18" charset="0"/>
+                          </a:rPr>
+                          <m:t>0</m:t>
+                        </m:r>
+                        <m:r>
+                          <a:rPr lang="en-US" altLang="zh-CN" i="1" smtClean="0">
+                            <a:latin typeface="Cambria Math" panose="02040503050406030204" pitchFamily="18" charset="0"/>
+                          </a:rPr>
+                          <m:t>.</m:t>
+                        </m:r>
+                        <m:r>
+                          <a:rPr lang="en-US" altLang="zh-CN" i="1">
+                            <a:latin typeface="Cambria Math" panose="02040503050406030204" pitchFamily="18" charset="0"/>
+                          </a:rPr>
+                          <m:t>8</m:t>
+                        </m:r>
+                        <m:r>
+                          <a:rPr lang="en-US" altLang="zh-CN" b="0" i="1" smtClean="0">
+                            <a:latin typeface="Cambria Math" panose="02040503050406030204" pitchFamily="18" charset="0"/>
+                          </a:rPr>
+                          <m:t>𝑉</m:t>
+                        </m:r>
+                      </m:e>
+                      <m:sub>
+                        <m:r>
+                          <a:rPr lang="en-US" altLang="zh-CN" b="0" i="1" smtClean="0">
+                            <a:latin typeface="Cambria Math" panose="02040503050406030204" pitchFamily="18" charset="0"/>
+                          </a:rPr>
+                          <m:t>𝑅𝐸𝐹</m:t>
+                        </m:r>
+                      </m:sub>
+                    </m:sSub>
+                    <m:r>
+                      <a:rPr lang="en-US" altLang="zh-CN" b="0" i="1" smtClean="0">
+                        <a:latin typeface="Cambria Math" panose="02040503050406030204" pitchFamily="18" charset="0"/>
+                        <a:ea typeface="Cambria Math" panose="02040503050406030204" pitchFamily="18" charset="0"/>
+                      </a:rPr>
+                      <m:t>≤</m:t>
+                    </m:r>
+                    <m:sSub>
+                      <m:sSubPr>
+                        <m:ctrlPr>
+                          <a:rPr lang="en-US" altLang="zh-CN" b="0" i="1" smtClean="0">
+                            <a:latin typeface="Cambria Math" panose="02040503050406030204" pitchFamily="18" charset="0"/>
+                            <a:ea typeface="Cambria Math" panose="02040503050406030204" pitchFamily="18" charset="0"/>
+                          </a:rPr>
+                        </m:ctrlPr>
+                      </m:sSubPr>
+                      <m:e>
+                        <m:r>
+                          <a:rPr lang="en-US" altLang="zh-CN" b="0" i="1" smtClean="0">
+                            <a:latin typeface="Cambria Math" panose="02040503050406030204" pitchFamily="18" charset="0"/>
+                            <a:ea typeface="Cambria Math" panose="02040503050406030204" pitchFamily="18" charset="0"/>
+                          </a:rPr>
+                          <m:t>𝑉</m:t>
+                        </m:r>
+                      </m:e>
+                      <m:sub>
+                        <m:r>
+                          <a:rPr lang="en-US" altLang="zh-CN" b="0" i="1" smtClean="0">
+                            <a:latin typeface="Cambria Math" panose="02040503050406030204" pitchFamily="18" charset="0"/>
+                            <a:ea typeface="Cambria Math" panose="02040503050406030204" pitchFamily="18" charset="0"/>
+                          </a:rPr>
+                          <m:t>𝑡𝑒𝑠𝑡</m:t>
+                        </m:r>
+                      </m:sub>
+                    </m:sSub>
+                    <m:r>
+                      <a:rPr lang="en-US" altLang="zh-CN" b="0" i="1" smtClean="0">
+                        <a:latin typeface="Cambria Math" panose="02040503050406030204" pitchFamily="18" charset="0"/>
+                        <a:ea typeface="Cambria Math" panose="02040503050406030204" pitchFamily="18" charset="0"/>
+                      </a:rPr>
+                      <m:t>≤</m:t>
+                    </m:r>
+                    <m:f>
+                      <m:fPr>
+                        <m:ctrlPr>
+                          <a:rPr lang="en-US" altLang="zh-CN" b="0" i="1" smtClean="0">
+                            <a:latin typeface="Cambria Math" panose="02040503050406030204" pitchFamily="18" charset="0"/>
+                            <a:ea typeface="Cambria Math" panose="02040503050406030204" pitchFamily="18" charset="0"/>
+                          </a:rPr>
+                        </m:ctrlPr>
+                      </m:fPr>
+                      <m:num>
+                        <m:r>
+                          <a:rPr lang="en-US" altLang="zh-CN" b="0" i="1" smtClean="0">
+                            <a:latin typeface="Cambria Math" panose="02040503050406030204" pitchFamily="18" charset="0"/>
+                            <a:ea typeface="Cambria Math" panose="02040503050406030204" pitchFamily="18" charset="0"/>
+                          </a:rPr>
+                          <m:t>1677215</m:t>
+                        </m:r>
+                        <m:sSub>
+                          <m:sSubPr>
+                            <m:ctrlPr>
+                              <a:rPr lang="en-US" altLang="zh-CN" b="0" i="1" smtClean="0">
+                                <a:latin typeface="Cambria Math" panose="02040503050406030204" pitchFamily="18" charset="0"/>
+                                <a:ea typeface="Cambria Math" panose="02040503050406030204" pitchFamily="18" charset="0"/>
+                              </a:rPr>
+                            </m:ctrlPr>
+                          </m:sSubPr>
+                          <m:e>
+                            <m:r>
+                              <a:rPr lang="en-US" altLang="zh-CN" b="0" i="1" smtClean="0">
+                                <a:latin typeface="Cambria Math" panose="02040503050406030204" pitchFamily="18" charset="0"/>
+                                <a:ea typeface="Cambria Math" panose="02040503050406030204" pitchFamily="18" charset="0"/>
+                              </a:rPr>
+                              <m:t>×</m:t>
+                            </m:r>
+                            <m:r>
+                              <a:rPr lang="en-US" altLang="zh-CN" i="1">
+                                <a:latin typeface="Cambria Math" panose="02040503050406030204" pitchFamily="18" charset="0"/>
+                                <a:ea typeface="Cambria Math" panose="02040503050406030204" pitchFamily="18" charset="0"/>
+                              </a:rPr>
+                              <m:t>0</m:t>
+                            </m:r>
+                            <m:r>
+                              <a:rPr lang="en-US" altLang="zh-CN" i="1" smtClean="0">
+                                <a:latin typeface="Cambria Math" panose="02040503050406030204" pitchFamily="18" charset="0"/>
+                                <a:ea typeface="Cambria Math" panose="02040503050406030204" pitchFamily="18" charset="0"/>
+                              </a:rPr>
+                              <m:t>.</m:t>
+                            </m:r>
+                            <m:r>
+                              <a:rPr lang="en-US" altLang="zh-CN" i="1">
+                                <a:latin typeface="Cambria Math" panose="02040503050406030204" pitchFamily="18" charset="0"/>
+                                <a:ea typeface="Cambria Math" panose="02040503050406030204" pitchFamily="18" charset="0"/>
+                              </a:rPr>
+                              <m:t>8</m:t>
+                            </m:r>
+                            <m:r>
+                              <a:rPr lang="en-US" altLang="zh-CN" b="0" i="1" smtClean="0">
+                                <a:latin typeface="Cambria Math" panose="02040503050406030204" pitchFamily="18" charset="0"/>
+                                <a:ea typeface="Cambria Math" panose="02040503050406030204" pitchFamily="18" charset="0"/>
+                              </a:rPr>
+                              <m:t>𝑉</m:t>
+                            </m:r>
+                          </m:e>
+                          <m:sub>
+                            <m:r>
+                              <a:rPr lang="en-US" altLang="zh-CN" b="0" i="1" smtClean="0">
+                                <a:latin typeface="Cambria Math" panose="02040503050406030204" pitchFamily="18" charset="0"/>
+                                <a:ea typeface="Cambria Math" panose="02040503050406030204" pitchFamily="18" charset="0"/>
+                              </a:rPr>
+                              <m:t>𝑅𝐸𝐹</m:t>
+                            </m:r>
+                          </m:sub>
+                        </m:sSub>
+                      </m:num>
+                      <m:den>
+                        <m:r>
+                          <a:rPr lang="en-US" altLang="zh-CN" b="0" i="1" smtClean="0">
+                            <a:latin typeface="Cambria Math" panose="02040503050406030204" pitchFamily="18" charset="0"/>
+                            <a:ea typeface="Cambria Math" panose="02040503050406030204" pitchFamily="18" charset="0"/>
+                          </a:rPr>
+                          <m:t>1677216</m:t>
+                        </m:r>
+                      </m:den>
+                    </m:f>
+                  </m:oMath>
+                </a14:m>
+                <a:endParaRPr lang="en-US" altLang="zh-CN" b="0" dirty="0"/>
+              </a:p>
+              <a:p>
+                <a:pPr/>
+                <a:endParaRPr lang="zh-CN" altLang="en-US" dirty="0"/>
+              </a:p>
+            </p:txBody>
+          </p:sp>
+        </mc:Choice>
+        <mc:Fallback>
+          <p:sp>
+            <p:nvSpPr>
+              <p:cNvPr id="20" name="文本框 19">
+                <a:extLst>
+                  <a:ext uri="{FF2B5EF4-FFF2-40B4-BE49-F238E27FC236}">
+                    <a16:creationId xmlns:a16="http://schemas.microsoft.com/office/drawing/2014/main" id="{B8A64F78-764A-4269-BFC6-A63053FEA5ED}"/>
+                  </a:ext>
+                </a:extLst>
+              </p:cNvPr>
+              <p:cNvSpPr txBox="1">
+                <a:spLocks noRot="1" noChangeAspect="1" noMove="1" noResize="1" noEditPoints="1" noAdjustHandles="1" noChangeArrowheads="1" noChangeShapeType="1" noTextEdit="1"/>
+              </p:cNvSpPr>
+              <p:nvPr/>
+            </p:nvSpPr>
+            <p:spPr>
+              <a:xfrm>
+                <a:off x="7273669" y="5914852"/>
+                <a:ext cx="3954817" cy="766685"/>
+              </a:xfrm>
+              <a:prstGeom prst="rect">
+                <a:avLst/>
+              </a:prstGeom>
+              <a:blipFill>
+                <a:blip r:embed="rId7"/>
+                <a:stretch>
+                  <a:fillRect l="-1233"/>
+                </a:stretch>
+              </a:blipFill>
+            </p:spPr>
+            <p:txBody>
+              <a:bodyPr/>
+              <a:lstStyle/>
+              <a:p>
+                <a:r>
+                  <a:rPr lang="zh-CN" altLang="en-US">
+                    <a:noFill/>
+                  </a:rPr>
+                  <a:t> </a:t>
+                </a:r>
+              </a:p>
+            </p:txBody>
+          </p:sp>
+        </mc:Fallback>
+      </mc:AlternateContent>
+    </p:spTree>
+    <p:extLst>
+      <p:ext uri="{BB962C8B-B14F-4D97-AF65-F5344CB8AC3E}">
+        <p14:creationId xmlns:p14="http://schemas.microsoft.com/office/powerpoint/2010/main" val="1012077517"/>
+      </p:ext>
+    </p:extLst>
+  </p:cSld>
+  <p:clrMapOvr>
+    <a:masterClrMapping/>
+  </p:clrMapOvr>
+</p:sld>
+</file>
+
+<file path=ppt/slides/slide15.xml><?xml version="1.0" encoding="utf-8"?>
+<p:sld xmlns:a="http://schemas.openxmlformats.org/drawingml/2006/main" xmlns:r="http://schemas.openxmlformats.org/officeDocument/2006/relationships" xmlns:p="http://schemas.openxmlformats.org/presentationml/2006/main">
+  <p:cSld>
+    <p:spTree>
+      <p:nvGrpSpPr>
+        <p:cNvPr id="1" name=""/>
+        <p:cNvGrpSpPr/>
+        <p:nvPr/>
+      </p:nvGrpSpPr>
+      <p:grpSpPr>
+        <a:xfrm>
+          <a:off x="0" y="0"/>
+          <a:ext cx="0" cy="0"/>
+          <a:chOff x="0" y="0"/>
+          <a:chExt cx="0" cy="0"/>
+        </a:xfrm>
+      </p:grpSpPr>
+      <p:sp>
+        <p:nvSpPr>
+          <p:cNvPr id="2" name="文本框 1">
+            <a:extLst>
+              <a:ext uri="{FF2B5EF4-FFF2-40B4-BE49-F238E27FC236}">
+                <a16:creationId xmlns:a16="http://schemas.microsoft.com/office/drawing/2014/main" id="{DF289E13-8B9E-4116-A900-FB3FB2A59319}"/>
+              </a:ext>
+            </a:extLst>
+          </p:cNvPr>
+          <p:cNvSpPr txBox="1"/>
+          <p:nvPr/>
+        </p:nvSpPr>
+        <p:spPr>
+          <a:xfrm>
+            <a:off x="424740" y="538358"/>
+            <a:ext cx="6158073" cy="523220"/>
+          </a:xfrm>
+          <a:prstGeom prst="rect">
+            <a:avLst/>
+          </a:prstGeom>
+          <a:noFill/>
+        </p:spPr>
+        <p:txBody>
+          <a:bodyPr wrap="square" rtlCol="0">
+            <a:spAutoFit/>
+          </a:bodyPr>
+          <a:lstStyle/>
+          <a:p>
+            <a:r>
+              <a:rPr lang="en-US" altLang="zh-CN" sz="2800" dirty="0">
+                <a:latin typeface="华文仿宋" panose="02010600040101010101" pitchFamily="2" charset="-122"/>
+                <a:ea typeface="华文仿宋" panose="02010600040101010101" pitchFamily="2" charset="-122"/>
+              </a:rPr>
+              <a:t>LTC2380-24 </a:t>
+            </a:r>
+            <a:r>
+              <a:rPr lang="zh-CN" altLang="en-US" sz="2800" dirty="0">
+                <a:latin typeface="华文仿宋" panose="02010600040101010101" pitchFamily="2" charset="-122"/>
+                <a:ea typeface="华文仿宋" panose="02010600040101010101" pitchFamily="2" charset="-122"/>
+              </a:rPr>
+              <a:t>工作原理</a:t>
+            </a:r>
+          </a:p>
+        </p:txBody>
+      </p:sp>
+      <p:pic>
+        <p:nvPicPr>
+          <p:cNvPr id="15" name="图片 14">
+            <a:extLst>
+              <a:ext uri="{FF2B5EF4-FFF2-40B4-BE49-F238E27FC236}">
+                <a16:creationId xmlns:a16="http://schemas.microsoft.com/office/drawing/2014/main" id="{E1BDCFFA-9E72-4BD4-869A-5A3D97ED4627}"/>
+              </a:ext>
+            </a:extLst>
+          </p:cNvPr>
+          <p:cNvPicPr>
+            <a:picLocks noChangeAspect="1"/>
+          </p:cNvPicPr>
+          <p:nvPr/>
+        </p:nvPicPr>
+        <p:blipFill>
+          <a:blip r:embed="rId2"/>
+          <a:stretch>
+            <a:fillRect/>
+          </a:stretch>
+        </p:blipFill>
+        <p:spPr>
+          <a:xfrm>
+            <a:off x="767056" y="1903925"/>
+            <a:ext cx="10439761" cy="3582029"/>
+          </a:xfrm>
+          <a:prstGeom prst="rect">
+            <a:avLst/>
+          </a:prstGeom>
+        </p:spPr>
+      </p:pic>
+      <p:sp>
+        <p:nvSpPr>
+          <p:cNvPr id="17" name="文本框 16">
+            <a:extLst>
+              <a:ext uri="{FF2B5EF4-FFF2-40B4-BE49-F238E27FC236}">
+                <a16:creationId xmlns:a16="http://schemas.microsoft.com/office/drawing/2014/main" id="{0B79578D-0115-42FD-9B6F-D14E8D4F8A3D}"/>
+              </a:ext>
+            </a:extLst>
+          </p:cNvPr>
+          <p:cNvSpPr txBox="1"/>
+          <p:nvPr/>
+        </p:nvSpPr>
+        <p:spPr>
+          <a:xfrm>
+            <a:off x="708185" y="1534593"/>
+            <a:ext cx="4115883" cy="369332"/>
+          </a:xfrm>
+          <a:prstGeom prst="rect">
+            <a:avLst/>
+          </a:prstGeom>
+          <a:noFill/>
+        </p:spPr>
+        <p:txBody>
+          <a:bodyPr wrap="square">
+            <a:spAutoFit/>
+          </a:bodyPr>
+          <a:lstStyle/>
+          <a:p>
+            <a:r>
+              <a:rPr lang="en-US" altLang="zh-CN" dirty="0"/>
+              <a:t>SPI</a:t>
+            </a:r>
+            <a:r>
+              <a:rPr lang="zh-CN" altLang="en-US" dirty="0"/>
+              <a:t>接口时序图：</a:t>
+            </a:r>
+          </a:p>
+        </p:txBody>
+      </p:sp>
+      <p:sp>
+        <p:nvSpPr>
+          <p:cNvPr id="18" name="左大括号 17">
+            <a:extLst>
+              <a:ext uri="{FF2B5EF4-FFF2-40B4-BE49-F238E27FC236}">
+                <a16:creationId xmlns:a16="http://schemas.microsoft.com/office/drawing/2014/main" id="{27F7B49E-5F2A-4332-8A92-5E8357E1FBBA}"/>
+              </a:ext>
+            </a:extLst>
+          </p:cNvPr>
+          <p:cNvSpPr/>
+          <p:nvPr/>
+        </p:nvSpPr>
+        <p:spPr>
+          <a:xfrm rot="16200000">
+            <a:off x="4526255" y="3035480"/>
+            <a:ext cx="275668" cy="4851521"/>
+          </a:xfrm>
+          <a:prstGeom prst="leftBrace">
+            <a:avLst/>
+          </a:prstGeom>
+        </p:spPr>
+        <p:style>
+          <a:lnRef idx="3">
+            <a:schemeClr val="dk1"/>
+          </a:lnRef>
+          <a:fillRef idx="0">
+            <a:schemeClr val="dk1"/>
+          </a:fillRef>
+          <a:effectRef idx="2">
+            <a:schemeClr val="dk1"/>
+          </a:effectRef>
+          <a:fontRef idx="minor">
+            <a:schemeClr val="tx1"/>
+          </a:fontRef>
+        </p:style>
+        <p:txBody>
+          <a:bodyPr rtlCol="0" anchor="ctr"/>
+          <a:lstStyle/>
+          <a:p>
+            <a:pPr algn="ctr"/>
+            <a:endParaRPr lang="zh-CN" altLang="en-US"/>
+          </a:p>
+        </p:txBody>
+      </p:sp>
+      <p:sp>
+        <p:nvSpPr>
+          <p:cNvPr id="19" name="文本框 18">
+            <a:extLst>
+              <a:ext uri="{FF2B5EF4-FFF2-40B4-BE49-F238E27FC236}">
+                <a16:creationId xmlns:a16="http://schemas.microsoft.com/office/drawing/2014/main" id="{E7301AE8-8337-442B-9C1B-245B51EADA4E}"/>
+              </a:ext>
+            </a:extLst>
+          </p:cNvPr>
+          <p:cNvSpPr txBox="1"/>
+          <p:nvPr/>
+        </p:nvSpPr>
+        <p:spPr>
+          <a:xfrm>
+            <a:off x="3648029" y="5789516"/>
+            <a:ext cx="4115883" cy="369332"/>
+          </a:xfrm>
+          <a:prstGeom prst="rect">
+            <a:avLst/>
+          </a:prstGeom>
+          <a:noFill/>
+        </p:spPr>
+        <p:txBody>
+          <a:bodyPr wrap="square">
+            <a:spAutoFit/>
+          </a:bodyPr>
+          <a:lstStyle/>
+          <a:p>
+            <a:r>
+              <a:rPr lang="zh-CN" altLang="en-US" dirty="0"/>
+              <a:t>后</a:t>
+            </a:r>
+            <a:r>
+              <a:rPr lang="en-US" altLang="zh-CN" dirty="0"/>
+              <a:t>24</a:t>
+            </a:r>
+            <a:r>
+              <a:rPr lang="zh-CN" altLang="en-US" dirty="0"/>
+              <a:t>位为</a:t>
+            </a:r>
+            <a:r>
+              <a:rPr lang="en-US" altLang="zh-CN" dirty="0"/>
+              <a:t>ADC</a:t>
+            </a:r>
+            <a:r>
+              <a:rPr lang="zh-CN" altLang="en-US" dirty="0"/>
+              <a:t>转换结果</a:t>
+            </a:r>
+          </a:p>
+        </p:txBody>
+      </p:sp>
+    </p:spTree>
+    <p:extLst>
+      <p:ext uri="{BB962C8B-B14F-4D97-AF65-F5344CB8AC3E}">
+        <p14:creationId xmlns:p14="http://schemas.microsoft.com/office/powerpoint/2010/main" val="2905579460"/>
+      </p:ext>
+    </p:extLst>
+  </p:cSld>
+  <p:clrMapOvr>
+    <a:masterClrMapping/>
+  </p:clrMapOvr>
+</p:sld>
+</file>
+
+<file path=ppt/slides/slide16.xml><?xml version="1.0" encoding="utf-8"?>
+<p:sld xmlns:a="http://schemas.openxmlformats.org/drawingml/2006/main" xmlns:r="http://schemas.openxmlformats.org/officeDocument/2006/relationships" xmlns:p="http://schemas.openxmlformats.org/presentationml/2006/main">
+  <p:cSld>
+    <p:spTree>
+      <p:nvGrpSpPr>
+        <p:cNvPr id="1" name=""/>
+        <p:cNvGrpSpPr/>
+        <p:nvPr/>
+      </p:nvGrpSpPr>
+      <p:grpSpPr>
+        <a:xfrm>
+          <a:off x="0" y="0"/>
+          <a:ext cx="0" cy="0"/>
+          <a:chOff x="0" y="0"/>
+          <a:chExt cx="0" cy="0"/>
+        </a:xfrm>
+      </p:grpSpPr>
+      <p:sp>
+        <p:nvSpPr>
+          <p:cNvPr id="2" name="文本框 1">
+            <a:extLst>
+              <a:ext uri="{FF2B5EF4-FFF2-40B4-BE49-F238E27FC236}">
+                <a16:creationId xmlns:a16="http://schemas.microsoft.com/office/drawing/2014/main" id="{DF289E13-8B9E-4116-A900-FB3FB2A59319}"/>
+              </a:ext>
+            </a:extLst>
+          </p:cNvPr>
+          <p:cNvSpPr txBox="1"/>
+          <p:nvPr/>
+        </p:nvSpPr>
+        <p:spPr>
+          <a:xfrm>
+            <a:off x="424740" y="538358"/>
+            <a:ext cx="6158073" cy="523220"/>
+          </a:xfrm>
+          <a:prstGeom prst="rect">
+            <a:avLst/>
+          </a:prstGeom>
+          <a:noFill/>
+        </p:spPr>
+        <p:txBody>
+          <a:bodyPr wrap="square" rtlCol="0">
+            <a:spAutoFit/>
+          </a:bodyPr>
+          <a:lstStyle/>
+          <a:p>
+            <a:r>
+              <a:rPr lang="en-US" altLang="zh-CN" sz="2800" dirty="0">
+                <a:latin typeface="华文仿宋" panose="02010600040101010101" pitchFamily="2" charset="-122"/>
+                <a:ea typeface="华文仿宋" panose="02010600040101010101" pitchFamily="2" charset="-122"/>
+              </a:rPr>
+              <a:t>LTC2380-24 </a:t>
+            </a:r>
+            <a:r>
+              <a:rPr lang="zh-CN" altLang="en-US" sz="2800" dirty="0">
+                <a:latin typeface="华文仿宋" panose="02010600040101010101" pitchFamily="2" charset="-122"/>
+                <a:ea typeface="华文仿宋" panose="02010600040101010101" pitchFamily="2" charset="-122"/>
+              </a:rPr>
+              <a:t>工作原理</a:t>
+            </a:r>
+          </a:p>
+        </p:txBody>
+      </p:sp>
+      <p:sp>
+        <p:nvSpPr>
+          <p:cNvPr id="17" name="文本框 16">
+            <a:extLst>
+              <a:ext uri="{FF2B5EF4-FFF2-40B4-BE49-F238E27FC236}">
+                <a16:creationId xmlns:a16="http://schemas.microsoft.com/office/drawing/2014/main" id="{0B79578D-0115-42FD-9B6F-D14E8D4F8A3D}"/>
+              </a:ext>
+            </a:extLst>
+          </p:cNvPr>
+          <p:cNvSpPr txBox="1"/>
+          <p:nvPr/>
+        </p:nvSpPr>
+        <p:spPr>
+          <a:xfrm>
+            <a:off x="708185" y="1534593"/>
+            <a:ext cx="6932039" cy="369332"/>
+          </a:xfrm>
+          <a:prstGeom prst="rect">
+            <a:avLst/>
+          </a:prstGeom>
+          <a:noFill/>
+        </p:spPr>
+        <p:txBody>
+          <a:bodyPr wrap="square">
+            <a:spAutoFit/>
+          </a:bodyPr>
+          <a:lstStyle/>
+          <a:p>
+            <a:r>
+              <a:rPr lang="en-US" altLang="zh-CN" dirty="0"/>
+              <a:t>SPI</a:t>
+            </a:r>
+            <a:r>
+              <a:rPr lang="zh-CN" altLang="en-US" dirty="0"/>
+              <a:t>接口时序图（平均滤波器模式，每四个转换周期输出一次）：</a:t>
+            </a:r>
+          </a:p>
+        </p:txBody>
+      </p:sp>
+      <p:pic>
+        <p:nvPicPr>
+          <p:cNvPr id="4" name="图片 3">
+            <a:extLst>
+              <a:ext uri="{FF2B5EF4-FFF2-40B4-BE49-F238E27FC236}">
+                <a16:creationId xmlns:a16="http://schemas.microsoft.com/office/drawing/2014/main" id="{B583317D-FF33-447A-B78D-696FA094FBE8}"/>
+              </a:ext>
+            </a:extLst>
+          </p:cNvPr>
+          <p:cNvPicPr>
+            <a:picLocks noChangeAspect="1"/>
+          </p:cNvPicPr>
+          <p:nvPr/>
+        </p:nvPicPr>
+        <p:blipFill>
+          <a:blip r:embed="rId2"/>
+          <a:stretch>
+            <a:fillRect/>
+          </a:stretch>
+        </p:blipFill>
+        <p:spPr>
+          <a:xfrm>
+            <a:off x="1422159" y="2246359"/>
+            <a:ext cx="9347682" cy="3698755"/>
+          </a:xfrm>
+          <a:prstGeom prst="rect">
+            <a:avLst/>
+          </a:prstGeom>
+        </p:spPr>
+      </p:pic>
+    </p:spTree>
+    <p:extLst>
+      <p:ext uri="{BB962C8B-B14F-4D97-AF65-F5344CB8AC3E}">
+        <p14:creationId xmlns:p14="http://schemas.microsoft.com/office/powerpoint/2010/main" val="1730977506"/>
+      </p:ext>
+    </p:extLst>
+  </p:cSld>
+  <p:clrMapOvr>
+    <a:masterClrMapping/>
+  </p:clrMapOvr>
+</p:sld>
+</file>
+
+<file path=ppt/slides/slide17.xml><?xml version="1.0" encoding="utf-8"?>
+<p:sld xmlns:a="http://schemas.openxmlformats.org/drawingml/2006/main" xmlns:r="http://schemas.openxmlformats.org/officeDocument/2006/relationships" xmlns:p="http://schemas.openxmlformats.org/presentationml/2006/main">
+  <p:cSld>
+    <p:spTree>
+      <p:nvGrpSpPr>
+        <p:cNvPr id="1" name=""/>
+        <p:cNvGrpSpPr/>
+        <p:nvPr/>
+      </p:nvGrpSpPr>
+      <p:grpSpPr>
+        <a:xfrm>
+          <a:off x="0" y="0"/>
+          <a:ext cx="0" cy="0"/>
+          <a:chOff x="0" y="0"/>
+          <a:chExt cx="0" cy="0"/>
+        </a:xfrm>
+      </p:grpSpPr>
+      <p:pic>
+        <p:nvPicPr>
+          <p:cNvPr id="3" name="图片 2">
+            <a:extLst>
+              <a:ext uri="{FF2B5EF4-FFF2-40B4-BE49-F238E27FC236}">
+                <a16:creationId xmlns:a16="http://schemas.microsoft.com/office/drawing/2014/main" id="{682F9D35-1DAD-45F0-AC5E-296CD12BA748}"/>
+              </a:ext>
+            </a:extLst>
+          </p:cNvPr>
+          <p:cNvPicPr>
+            <a:picLocks noChangeAspect="1"/>
+          </p:cNvPicPr>
+          <p:nvPr/>
+        </p:nvPicPr>
+        <p:blipFill>
+          <a:blip r:embed="rId2"/>
+          <a:stretch>
+            <a:fillRect/>
+          </a:stretch>
+        </p:blipFill>
+        <p:spPr>
+          <a:xfrm>
+            <a:off x="2604450" y="1666980"/>
+            <a:ext cx="6860240" cy="5191020"/>
+          </a:xfrm>
+          <a:prstGeom prst="rect">
+            <a:avLst/>
+          </a:prstGeom>
+        </p:spPr>
+      </p:pic>
+      <p:sp>
+        <p:nvSpPr>
+          <p:cNvPr id="4" name="文本框 3">
+            <a:extLst>
+              <a:ext uri="{FF2B5EF4-FFF2-40B4-BE49-F238E27FC236}">
+                <a16:creationId xmlns:a16="http://schemas.microsoft.com/office/drawing/2014/main" id="{7409DBC6-105A-4A21-834A-D0164D7CDF6B}"/>
+              </a:ext>
+            </a:extLst>
+          </p:cNvPr>
+          <p:cNvSpPr txBox="1"/>
+          <p:nvPr/>
+        </p:nvSpPr>
+        <p:spPr>
+          <a:xfrm>
+            <a:off x="424740" y="538358"/>
+            <a:ext cx="6158073" cy="523220"/>
+          </a:xfrm>
+          <a:prstGeom prst="rect">
+            <a:avLst/>
+          </a:prstGeom>
+          <a:noFill/>
+        </p:spPr>
+        <p:txBody>
+          <a:bodyPr wrap="square" rtlCol="0">
+            <a:spAutoFit/>
+          </a:bodyPr>
+          <a:lstStyle/>
+          <a:p>
+            <a:r>
+              <a:rPr lang="en-US" altLang="zh-CN" sz="2800" dirty="0">
+                <a:latin typeface="华文仿宋" panose="02010600040101010101" pitchFamily="2" charset="-122"/>
+                <a:ea typeface="华文仿宋" panose="02010600040101010101" pitchFamily="2" charset="-122"/>
+              </a:rPr>
+              <a:t>LTC2380-24 </a:t>
+            </a:r>
+            <a:r>
+              <a:rPr lang="zh-CN" altLang="en-US" sz="2800" dirty="0">
+                <a:latin typeface="华文仿宋" panose="02010600040101010101" pitchFamily="2" charset="-122"/>
+                <a:ea typeface="华文仿宋" panose="02010600040101010101" pitchFamily="2" charset="-122"/>
+              </a:rPr>
+              <a:t>实时平均滤波器性能</a:t>
+            </a:r>
+          </a:p>
+        </p:txBody>
+      </p:sp>
+    </p:spTree>
+    <p:extLst>
+      <p:ext uri="{BB962C8B-B14F-4D97-AF65-F5344CB8AC3E}">
+        <p14:creationId xmlns:p14="http://schemas.microsoft.com/office/powerpoint/2010/main" val="4041806852"/>
+      </p:ext>
+    </p:extLst>
+  </p:cSld>
+  <p:clrMapOvr>
+    <a:masterClrMapping/>
+  </p:clrMapOvr>
+</p:sld>
+</file>
+
+<file path=ppt/slides/slide18.xml><?xml version="1.0" encoding="utf-8"?>
+<p:sld xmlns:a="http://schemas.openxmlformats.org/drawingml/2006/main" xmlns:r="http://schemas.openxmlformats.org/officeDocument/2006/relationships" xmlns:p="http://schemas.openxmlformats.org/presentationml/2006/main">
+  <p:cSld>
+    <p:spTree>
+      <p:nvGrpSpPr>
+        <p:cNvPr id="1" name=""/>
+        <p:cNvGrpSpPr/>
+        <p:nvPr/>
+      </p:nvGrpSpPr>
+      <p:grpSpPr>
+        <a:xfrm>
+          <a:off x="0" y="0"/>
+          <a:ext cx="0" cy="0"/>
+          <a:chOff x="0" y="0"/>
+          <a:chExt cx="0" cy="0"/>
+        </a:xfrm>
+      </p:grpSpPr>
       <p:sp>
         <p:nvSpPr>
           <p:cNvPr id="4" name="文本框 3">
@@ -4797,6 +6590,36 @@
           </a:p>
         </p:txBody>
       </p:sp>
+      <p:pic>
+        <p:nvPicPr>
+          <p:cNvPr id="5" name="图片 4">
+            <a:extLst>
+              <a:ext uri="{FF2B5EF4-FFF2-40B4-BE49-F238E27FC236}">
+                <a16:creationId xmlns:a16="http://schemas.microsoft.com/office/drawing/2014/main" id="{BA04D6B7-7899-4F85-9ED6-C87C98DFE6F7}"/>
+              </a:ext>
+            </a:extLst>
+          </p:cNvPr>
+          <p:cNvPicPr>
+            <a:picLocks noChangeAspect="1"/>
+          </p:cNvPicPr>
+          <p:nvPr/>
+        </p:nvPicPr>
+        <p:blipFill>
+          <a:blip r:embed="rId2"/>
+          <a:stretch>
+            <a:fillRect/>
+          </a:stretch>
+        </p:blipFill>
+        <p:spPr>
+          <a:xfrm>
+            <a:off x="1746460" y="1089553"/>
+            <a:ext cx="9759378" cy="5043240"/>
+          </a:xfrm>
+          <a:prstGeom prst="rect">
+            <a:avLst/>
+          </a:prstGeom>
+        </p:spPr>
+      </p:pic>
     </p:spTree>
     <p:extLst>
       <p:ext uri="{BB962C8B-B14F-4D97-AF65-F5344CB8AC3E}">
@@ -4810,7 +6633,7 @@
 </p:sld>
 </file>
 
-<file path=ppt/slides/slide15.xml><?xml version="1.0" encoding="utf-8"?>
+<file path=ppt/slides/slide19.xml><?xml version="1.0" encoding="utf-8"?>
 <p:sld xmlns:a="http://schemas.openxmlformats.org/drawingml/2006/main" xmlns:r="http://schemas.openxmlformats.org/officeDocument/2006/relationships" xmlns:p="http://schemas.openxmlformats.org/presentationml/2006/main">
   <p:cSld>
     <p:spTree>
@@ -7381,7 +9204,7 @@
         </p:blipFill>
         <p:spPr>
           <a:xfrm>
-            <a:off x="1001486" y="1502152"/>
+            <a:off x="984152" y="1497818"/>
             <a:ext cx="10341429" cy="4797463"/>
           </a:xfrm>
           <a:prstGeom prst="rect">
@@ -7389,6 +9212,320 @@
           </a:prstGeom>
         </p:spPr>
       </p:pic>
+      <p:sp>
+        <p:nvSpPr>
+          <p:cNvPr id="3" name="矩形 2">
+            <a:extLst>
+              <a:ext uri="{FF2B5EF4-FFF2-40B4-BE49-F238E27FC236}">
+                <a16:creationId xmlns:a16="http://schemas.microsoft.com/office/drawing/2014/main" id="{B8430AB5-7F2E-47C3-8E86-B49D68019F5F}"/>
+              </a:ext>
+            </a:extLst>
+          </p:cNvPr>
+          <p:cNvSpPr/>
+          <p:nvPr/>
+        </p:nvSpPr>
+        <p:spPr>
+          <a:xfrm>
+            <a:off x="1438772" y="5204713"/>
+            <a:ext cx="2426843" cy="1014074"/>
+          </a:xfrm>
+          <a:prstGeom prst="rect">
+            <a:avLst/>
+          </a:prstGeom>
+          <a:solidFill>
+            <a:schemeClr val="accent6">
+              <a:lumMod val="20000"/>
+              <a:lumOff val="80000"/>
+            </a:schemeClr>
+          </a:solidFill>
+        </p:spPr>
+        <p:style>
+          <a:lnRef idx="2">
+            <a:schemeClr val="accent1">
+              <a:shade val="50000"/>
+            </a:schemeClr>
+          </a:lnRef>
+          <a:fillRef idx="1">
+            <a:schemeClr val="accent1"/>
+          </a:fillRef>
+          <a:effectRef idx="0">
+            <a:schemeClr val="accent1"/>
+          </a:effectRef>
+          <a:fontRef idx="minor">
+            <a:schemeClr val="lt1"/>
+          </a:fontRef>
+        </p:style>
+        <p:txBody>
+          <a:bodyPr rtlCol="0" anchor="ctr"/>
+          <a:lstStyle/>
+          <a:p>
+            <a:pPr algn="ctr"/>
+            <a:r>
+              <a:rPr lang="en-US" altLang="zh-CN" dirty="0">
+                <a:solidFill>
+                  <a:schemeClr val="tx1"/>
+                </a:solidFill>
+              </a:rPr>
+              <a:t>8</a:t>
+            </a:r>
+            <a:r>
+              <a:rPr lang="zh-CN" altLang="en-US" dirty="0">
+                <a:solidFill>
+                  <a:schemeClr val="tx1"/>
+                </a:solidFill>
+              </a:rPr>
+              <a:t>通道低速</a:t>
+            </a:r>
+            <a:r>
+              <a:rPr lang="en-US" altLang="zh-CN" dirty="0">
+                <a:solidFill>
+                  <a:schemeClr val="tx1"/>
+                </a:solidFill>
+              </a:rPr>
+              <a:t>12</a:t>
+            </a:r>
+            <a:r>
+              <a:rPr lang="zh-CN" altLang="en-US" dirty="0">
+                <a:solidFill>
+                  <a:schemeClr val="tx1"/>
+                </a:solidFill>
+              </a:rPr>
+              <a:t>位</a:t>
+            </a:r>
+            <a:r>
+              <a:rPr lang="en-US" altLang="zh-CN" dirty="0">
+                <a:solidFill>
+                  <a:schemeClr val="tx1"/>
+                </a:solidFill>
+              </a:rPr>
+              <a:t>ADC</a:t>
+            </a:r>
+          </a:p>
+        </p:txBody>
+      </p:sp>
+      <p:sp>
+        <p:nvSpPr>
+          <p:cNvPr id="6" name="矩形 5">
+            <a:extLst>
+              <a:ext uri="{FF2B5EF4-FFF2-40B4-BE49-F238E27FC236}">
+                <a16:creationId xmlns:a16="http://schemas.microsoft.com/office/drawing/2014/main" id="{D01A7311-31A7-4DB4-ABE4-C9B9AF0975A0}"/>
+              </a:ext>
+            </a:extLst>
+          </p:cNvPr>
+          <p:cNvSpPr/>
+          <p:nvPr/>
+        </p:nvSpPr>
+        <p:spPr>
+          <a:xfrm>
+            <a:off x="4882578" y="5204713"/>
+            <a:ext cx="2426843" cy="1014074"/>
+          </a:xfrm>
+          <a:prstGeom prst="rect">
+            <a:avLst/>
+          </a:prstGeom>
+          <a:solidFill>
+            <a:schemeClr val="accent6">
+              <a:lumMod val="20000"/>
+              <a:lumOff val="80000"/>
+            </a:schemeClr>
+          </a:solidFill>
+        </p:spPr>
+        <p:style>
+          <a:lnRef idx="2">
+            <a:schemeClr val="accent1">
+              <a:shade val="50000"/>
+            </a:schemeClr>
+          </a:lnRef>
+          <a:fillRef idx="1">
+            <a:schemeClr val="accent1"/>
+          </a:fillRef>
+          <a:effectRef idx="0">
+            <a:schemeClr val="accent1"/>
+          </a:effectRef>
+          <a:fontRef idx="minor">
+            <a:schemeClr val="lt1"/>
+          </a:fontRef>
+        </p:style>
+        <p:txBody>
+          <a:bodyPr rtlCol="0" anchor="ctr"/>
+          <a:lstStyle/>
+          <a:p>
+            <a:pPr algn="ctr"/>
+            <a:r>
+              <a:rPr lang="zh-CN" altLang="en-US" dirty="0">
+                <a:solidFill>
+                  <a:schemeClr val="tx1"/>
+                </a:solidFill>
+              </a:rPr>
+              <a:t>电源</a:t>
+            </a:r>
+            <a:endParaRPr lang="en-US" altLang="zh-CN" dirty="0">
+              <a:solidFill>
+                <a:schemeClr val="tx1"/>
+              </a:solidFill>
+            </a:endParaRPr>
+          </a:p>
+        </p:txBody>
+      </p:sp>
+      <p:sp>
+        <p:nvSpPr>
+          <p:cNvPr id="7" name="文本框 6">
+            <a:extLst>
+              <a:ext uri="{FF2B5EF4-FFF2-40B4-BE49-F238E27FC236}">
+                <a16:creationId xmlns:a16="http://schemas.microsoft.com/office/drawing/2014/main" id="{CDEAD635-92F8-4479-91A0-EABE716AA2BD}"/>
+              </a:ext>
+            </a:extLst>
+          </p:cNvPr>
+          <p:cNvSpPr txBox="1"/>
+          <p:nvPr/>
+        </p:nvSpPr>
+        <p:spPr>
+          <a:xfrm>
+            <a:off x="5034510" y="1853978"/>
+            <a:ext cx="2526030" cy="369332"/>
+          </a:xfrm>
+          <a:prstGeom prst="rect">
+            <a:avLst/>
+          </a:prstGeom>
+          <a:noFill/>
+        </p:spPr>
+        <p:txBody>
+          <a:bodyPr wrap="square" rtlCol="0">
+            <a:spAutoFit/>
+          </a:bodyPr>
+          <a:lstStyle/>
+          <a:p>
+            <a:r>
+              <a:rPr lang="en-US" altLang="zh-CN" b="1" dirty="0">
+                <a:solidFill>
+                  <a:srgbClr val="FF0000"/>
+                </a:solidFill>
+              </a:rPr>
+              <a:t>MCU</a:t>
+            </a:r>
+            <a:endParaRPr lang="zh-CN" altLang="en-US" b="1" dirty="0">
+              <a:solidFill>
+                <a:srgbClr val="FF0000"/>
+              </a:solidFill>
+            </a:endParaRPr>
+          </a:p>
+        </p:txBody>
+      </p:sp>
+      <p:sp>
+        <p:nvSpPr>
+          <p:cNvPr id="8" name="文本框 7">
+            <a:extLst>
+              <a:ext uri="{FF2B5EF4-FFF2-40B4-BE49-F238E27FC236}">
+                <a16:creationId xmlns:a16="http://schemas.microsoft.com/office/drawing/2014/main" id="{65234907-F624-42CE-ACC9-E848BE9A4DF0}"/>
+              </a:ext>
+            </a:extLst>
+          </p:cNvPr>
+          <p:cNvSpPr txBox="1"/>
+          <p:nvPr/>
+        </p:nvSpPr>
+        <p:spPr>
+          <a:xfrm>
+            <a:off x="8432090" y="2005656"/>
+            <a:ext cx="2526030" cy="369332"/>
+          </a:xfrm>
+          <a:prstGeom prst="rect">
+            <a:avLst/>
+          </a:prstGeom>
+          <a:noFill/>
+        </p:spPr>
+        <p:txBody>
+          <a:bodyPr wrap="square" rtlCol="0">
+            <a:spAutoFit/>
+          </a:bodyPr>
+          <a:lstStyle/>
+          <a:p>
+            <a:r>
+              <a:rPr lang="zh-CN" altLang="en-US" b="1" dirty="0">
+                <a:solidFill>
+                  <a:srgbClr val="FF0000"/>
+                </a:solidFill>
+              </a:rPr>
+              <a:t>单通道高速</a:t>
+            </a:r>
+            <a:r>
+              <a:rPr lang="en-US" altLang="zh-CN" b="1" dirty="0">
+                <a:solidFill>
+                  <a:srgbClr val="FF0000"/>
+                </a:solidFill>
+              </a:rPr>
+              <a:t>24</a:t>
+            </a:r>
+            <a:r>
+              <a:rPr lang="zh-CN" altLang="en-US" b="1" dirty="0">
+                <a:solidFill>
+                  <a:srgbClr val="FF0000"/>
+                </a:solidFill>
+              </a:rPr>
+              <a:t>位</a:t>
+            </a:r>
+            <a:r>
+              <a:rPr lang="en-US" altLang="zh-CN" b="1" dirty="0">
+                <a:solidFill>
+                  <a:srgbClr val="FF0000"/>
+                </a:solidFill>
+              </a:rPr>
+              <a:t>ADC</a:t>
+            </a:r>
+            <a:endParaRPr lang="zh-CN" altLang="en-US" b="1" dirty="0">
+              <a:solidFill>
+                <a:srgbClr val="FF0000"/>
+              </a:solidFill>
+            </a:endParaRPr>
+          </a:p>
+        </p:txBody>
+      </p:sp>
+      <p:sp>
+        <p:nvSpPr>
+          <p:cNvPr id="9" name="文本框 8">
+            <a:extLst>
+              <a:ext uri="{FF2B5EF4-FFF2-40B4-BE49-F238E27FC236}">
+                <a16:creationId xmlns:a16="http://schemas.microsoft.com/office/drawing/2014/main" id="{6FE535C7-E085-4ED5-B7F3-A9E32BD37E56}"/>
+              </a:ext>
+            </a:extLst>
+          </p:cNvPr>
+          <p:cNvSpPr txBox="1"/>
+          <p:nvPr/>
+        </p:nvSpPr>
+        <p:spPr>
+          <a:xfrm>
+            <a:off x="1269469" y="1877475"/>
+            <a:ext cx="2526030" cy="369332"/>
+          </a:xfrm>
+          <a:prstGeom prst="rect">
+            <a:avLst/>
+          </a:prstGeom>
+          <a:noFill/>
+        </p:spPr>
+        <p:txBody>
+          <a:bodyPr wrap="square" rtlCol="0">
+            <a:spAutoFit/>
+          </a:bodyPr>
+          <a:lstStyle/>
+          <a:p>
+            <a:r>
+              <a:rPr lang="en-US" altLang="zh-CN" b="1" dirty="0">
+                <a:solidFill>
+                  <a:srgbClr val="FF0000"/>
+                </a:solidFill>
+              </a:rPr>
+              <a:t>NB-IoT</a:t>
+            </a:r>
+            <a:r>
+              <a:rPr lang="zh-CN" altLang="en-US" b="1" dirty="0">
+                <a:solidFill>
+                  <a:srgbClr val="FF0000"/>
+                </a:solidFill>
+              </a:rPr>
+              <a:t>通信模块</a:t>
+            </a:r>
+          </a:p>
+        </p:txBody>
+      </p:sp>
     </p:spTree>
     <p:extLst>
       <p:ext uri="{BB962C8B-B14F-4D97-AF65-F5344CB8AC3E}">
